--- a/solutions/azure/cyber-security/sentinel-siem/delivery/closeout-presentation.pptx
+++ b/solutions/azure/cyber-security/sentinel-siem/delivery/closeout-presentation.pptx
@@ -9,6 +9,15 @@
   </p:notesMasterIdLst>
   <p:sldIdLst>
     <p:sldId id="256" r:id="rId7"/>
+    <p:sldId id="257" r:id="rId8"/>
+    <p:sldId id="258" r:id="rId6"/>
+    <p:sldId id="259" r:id="rId5"/>
+    <p:sldId id="260" r:id="rId4"/>
+    <p:sldId id="261" r:id="rId3"/>
+    <p:sldId id="262" r:id="rId2"/>
+    <p:sldId id="263" r:id="rId14"/>
+    <p:sldId id="264" r:id="rId15"/>
+    <p:sldId id="265" r:id="rId16"/>
   </p:sldIdLst>
   <p:sldSz cx="9144000" cy="5143500" type="screen16x9"/>
   <p:notesSz cx="5143500" cy="9144000"/>
@@ -108,6 +117,9 @@
     <p:ext uri="{EFAFB233-063F-42B5-8137-9DF3F51BA10A}">
       <p15:sldGuideLst xmlns:p15="http://schemas.microsoft.com/office/powerpoint/2012/main"/>
     </p:ext>
+    <p:ext uri="{2D200454-40CA-4A62-9FC3-DE9A4176ACB9}">
+      <p15:notesGuideLst xmlns:p15="http://schemas.microsoft.com/office/powerpoint/2012/main"/>
+    </p:ext>
   </p:extLst>
 </p:presentation>
 </file>
@@ -134,6 +146,59 @@
           <a:chExt cx="0" cy="0"/>
         </a:xfrm>
       </p:grpSpPr>
+      <p:sp>
+        <p:nvSpPr>
+          <p:cNvPr id="2" name="Slide Image Placeholder 1"/>
+          <p:cNvSpPr>
+            <a:spLocks noGrp="1" noRot="1" noChangeAspect="1"/>
+          </p:cNvSpPr>
+          <p:nvPr>
+            <p:ph type="sldImg"/>
+          </p:nvPr>
+        </p:nvSpPr>
+        <p:spPr>
+          <a:xfrm>
+            <a:off x="-171450" y="1143000"/>
+            <a:ext cx="5486400" cy="3086100"/>
+          </a:xfrm>
+          <a:prstGeom prst="rect">
+            <a:avLst/>
+          </a:prstGeom>
+          <a:noFill/>
+          <a:ln w="12700">
+            <a:solidFill>
+              <a:prstClr val="black"/>
+            </a:solidFill>
+          </a:ln>
+        </p:spPr>
+      </p:sp>
+      <p:sp>
+        <p:nvSpPr>
+          <p:cNvPr id="3" name="Notes Placeholder 2"/>
+          <p:cNvSpPr>
+            <a:spLocks noGrp="1"/>
+          </p:cNvSpPr>
+          <p:nvPr>
+            <p:ph type="body" idx="1"/>
+          </p:nvPr>
+        </p:nvSpPr>
+        <p:spPr>
+          <a:xfrm>
+            <a:off x="514350" y="4400550"/>
+            <a:ext cx="4114800" cy="3600450"/>
+          </a:xfrm>
+          <a:prstGeom prst="rect">
+            <a:avLst/>
+          </a:prstGeom>
+        </p:spPr>
+        <p:txBody>
+          <a:bodyPr/>
+          <a:lstStyle/>
+          <a:p>
+            <a:endParaRPr lang="en-US"/>
+          </a:p>
+        </p:txBody>
+      </p:sp>
     </p:spTree>
     <p:extLst>
       <p:ext uri="{BB962C8B-B14F-4D97-AF65-F5344CB8AC3E}">
@@ -237,6 +302,1972 @@
 </p:notesMaster>
 </file>
 
+<file path=ppt/notesSlides/notesSlide1.xml><?xml version="1.0" encoding="utf-8"?>
+<p:notes xmlns:a="http://schemas.openxmlformats.org/drawingml/2006/main" xmlns:p="http://schemas.openxmlformats.org/presentationml/2006/main" xmlns:r="http://schemas.openxmlformats.org/officeDocument/2006/relationships">
+  <p:cSld>
+    <p:spTree>
+      <p:nvGrpSpPr>
+        <p:cNvPr id="1" name=""/>
+        <p:cNvGrpSpPr/>
+        <p:nvPr/>
+      </p:nvGrpSpPr>
+      <p:grpSpPr>
+        <a:xfrm>
+          <a:off x="0" y="0"/>
+          <a:ext cx="0" cy="0"/>
+          <a:chOff x="0" y="0"/>
+          <a:chExt cx="0" cy="0"/>
+        </a:xfrm>
+      </p:grpSpPr>
+      <p:sp>
+        <p:nvSpPr>
+          <p:cNvPr id="2" name="Slide Image Placeholder 1"/>
+          <p:cNvSpPr>
+            <a:spLocks noGrp="1"/>
+          </p:cNvSpPr>
+          <p:nvPr>
+            <p:ph type="sldImg"/>
+          </p:nvPr>
+        </p:nvSpPr>
+        <p:spPr/>
+      </p:sp>
+      <p:sp>
+        <p:nvSpPr>
+          <p:cNvPr id="3" name="Notes Placeholder 2"/>
+          <p:cNvSpPr>
+            <a:spLocks noGrp="1"/>
+          </p:cNvSpPr>
+          <p:nvPr>
+            <p:ph type="body" idx="1"/>
+          </p:nvPr>
+        </p:nvSpPr>
+        <p:spPr/>
+        <p:txBody>
+          <a:bodyPr/>
+          <a:lstStyle/>
+          <a:p>
+            <a:r>
+              <a:t>*Opening Statement:*</a:t>
+            </a:r>
+          </a:p>
+          <a:p>
+            <a:r>
+              <a:t>Good [morning/afternoon]. Today we're celebrating the successful completion of the Azure Sentinel SIEM implementation. This project has transformed [Client Name]'s security operations with AI-powered threat detection, automated incident response, and unified visibility across the entire IT environment.</a:t>
+            </a:r>
+          </a:p>
+          <a:p/>
+          <a:p>
+            <a:r>
+              <a:t>*Key Talking Points - Expand on Each Bullet:*</a:t>
+            </a:r>
+          </a:p>
+          <a:p/>
+          <a:p>
+            <a:r>
+              <a:t>**Project Duration - 12 Weeks:**</a:t>
+            </a:r>
+          </a:p>
+          <a:p>
+            <a:r>
+              <a:t>- We executed exactly as planned in the Statement of Work</a:t>
+            </a:r>
+          </a:p>
+          <a:p>
+            <a:r>
+              <a:t>- Phase 1 (Foundation): Weeks 1-4 - Sentinel workspace deployed, data connectors configured</a:t>
+            </a:r>
+          </a:p>
+          <a:p>
+            <a:r>
+              <a:t>- Phase 2 (Analytics &amp; Detection): Weeks 5-8 - 50+ analytics rules, threat intelligence integrated</a:t>
+            </a:r>
+          </a:p>
+          <a:p>
+            <a:r>
+              <a:t>- Phase 3 (Automation &amp; Optimization): Weeks 9-12 - SOAR playbooks, alert tuning, SOC training</a:t>
+            </a:r>
+          </a:p>
+          <a:p>
+            <a:r>
+              <a:t>- No schedule slippage despite complexity of multi-source data integration</a:t>
+            </a:r>
+          </a:p>
+          <a:p/>
+          <a:p>
+            <a:r>
+              <a:t>**Budget - $168,500 Year 1:**</a:t>
+            </a:r>
+          </a:p>
+          <a:p>
+            <a:r>
+              <a:t>- Professional Services: $98,000 (380 hours as quoted)</a:t>
+            </a:r>
+          </a:p>
+          <a:p>
+            <a:r>
+              <a:t>- Azure Cloud Services: $48,500/year (Sentinel + Log Analytics)</a:t>
+            </a:r>
+          </a:p>
+          <a:p>
+            <a:r>
+              <a:t>- Software Licenses: $14,000 (Defender for Cloud, threat feeds)</a:t>
+            </a:r>
+          </a:p>
+          <a:p>
+            <a:r>
+              <a:t>- Support &amp; Maintenance: $8,000</a:t>
+            </a:r>
+          </a:p>
+          <a:p>
+            <a:r>
+              <a:t>- Actual spend: $168,420 - $80 under budget</a:t>
+            </a:r>
+          </a:p>
+          <a:p/>
+          <a:p>
+            <a:r>
+              <a:t>**Detection Rate - 99% Accuracy:**</a:t>
+            </a:r>
+          </a:p>
+          <a:p>
+            <a:r>
+              <a:t>- Pre-implementation: 65% threat detection rate</a:t>
+            </a:r>
+          </a:p>
+          <a:p>
+            <a:r>
+              <a:t>- Current: 99% with AI-powered analytics</a:t>
+            </a:r>
+          </a:p>
+          <a:p>
+            <a:r>
+              <a:t>- False positive rate reduced by 85%</a:t>
+            </a:r>
+          </a:p>
+          <a:p>
+            <a:r>
+              <a:t>- Validated against 1,000+ test scenarios</a:t>
+            </a:r>
+          </a:p>
+          <a:p/>
+          <a:p>
+            <a:r>
+              <a:t>**MTTR Reduction - 90%:**</a:t>
+            </a:r>
+          </a:p>
+          <a:p>
+            <a:r>
+              <a:t>- Before: 4+ hours average incident response</a:t>
+            </a:r>
+          </a:p>
+          <a:p>
+            <a:r>
+              <a:t>- After: 24 minutes average with automation</a:t>
+            </a:r>
+          </a:p>
+          <a:p>
+            <a:r>
+              <a:t>- 80% of routine incidents auto-remediated</a:t>
+            </a:r>
+          </a:p>
+          <a:p>
+            <a:r>
+              <a:t>- SOC team focuses on complex threats</a:t>
+            </a:r>
+          </a:p>
+          <a:p/>
+          <a:p>
+            <a:r>
+              <a:t>*Transition to Next Slide:*</a:t>
+            </a:r>
+          </a:p>
+          <a:p>
+            <a:r>
+              <a:t>"Let me walk you through exactly what we built together..."</a:t>
+            </a:r>
+          </a:p>
+        </p:txBody>
+      </p:sp>
+    </p:spTree>
+  </p:cSld>
+  <p:clrMapOvr>
+    <a:masterClrMapping/>
+  </p:clrMapOvr>
+</p:notes>
+</file>
+
+<file path=ppt/notesSlides/notesSlide2.xml><?xml version="1.0" encoding="utf-8"?>
+<p:notes xmlns:a="http://schemas.openxmlformats.org/drawingml/2006/main" xmlns:p="http://schemas.openxmlformats.org/presentationml/2006/main" xmlns:r="http://schemas.openxmlformats.org/officeDocument/2006/relationships">
+  <p:cSld>
+    <p:spTree>
+      <p:nvGrpSpPr>
+        <p:cNvPr id="1" name=""/>
+        <p:cNvGrpSpPr/>
+        <p:nvPr/>
+      </p:nvGrpSpPr>
+      <p:grpSpPr>
+        <a:xfrm>
+          <a:off x="0" y="0"/>
+          <a:ext cx="0" cy="0"/>
+          <a:chOff x="0" y="0"/>
+          <a:chExt cx="0" cy="0"/>
+        </a:xfrm>
+      </p:grpSpPr>
+      <p:sp>
+        <p:nvSpPr>
+          <p:cNvPr id="2" name="Slide Image Placeholder 1"/>
+          <p:cNvSpPr>
+            <a:spLocks noGrp="1"/>
+          </p:cNvSpPr>
+          <p:nvPr>
+            <p:ph type="sldImg"/>
+          </p:nvPr>
+        </p:nvSpPr>
+        <p:spPr/>
+      </p:sp>
+      <p:sp>
+        <p:nvSpPr>
+          <p:cNvPr id="3" name="Notes Placeholder 2"/>
+          <p:cNvSpPr>
+            <a:spLocks noGrp="1"/>
+          </p:cNvSpPr>
+          <p:nvPr>
+            <p:ph type="body" idx="1"/>
+          </p:nvPr>
+        </p:nvSpPr>
+        <p:spPr/>
+        <p:txBody>
+          <a:bodyPr/>
+          <a:lstStyle/>
+          <a:p>
+            <a:r>
+              <a:t>*Architecture Overview - Walk Through the Diagram:*</a:t>
+            </a:r>
+          </a:p>
+          <a:p/>
+          <a:p>
+            <a:r>
+              <a:t>"This diagram shows the production architecture we deployed. Let me walk through the security operations platform..."</a:t>
+            </a:r>
+          </a:p>
+          <a:p/>
+          <a:p>
+            <a:r>
+              <a:t>**Data Ingestion Layer:**</a:t>
+            </a:r>
+          </a:p>
+          <a:p>
+            <a:r>
+              <a:t>- 15+ data connectors configured and ingesting</a:t>
+            </a:r>
+          </a:p>
+          <a:p>
+            <a:r>
+              <a:t>- Office 365: Email, SharePoint, OneDrive, Teams security events</a:t>
+            </a:r>
+          </a:p>
+          <a:p>
+            <a:r>
+              <a:t>- Azure AD: Sign-in logs, audit logs, risky sign-ins</a:t>
+            </a:r>
+          </a:p>
+          <a:p>
+            <a:r>
+              <a:t>- Defender for Cloud: Security alerts, vulnerability data</a:t>
+            </a:r>
+          </a:p>
+          <a:p>
+            <a:r>
+              <a:t>- Network: Azure Firewall, NSG flow logs</a:t>
+            </a:r>
+          </a:p>
+          <a:p>
+            <a:r>
+              <a:t>- Endpoint: Defender for Endpoint telemetry</a:t>
+            </a:r>
+          </a:p>
+          <a:p>
+            <a:r>
+              <a:t>- Third-party: Firewall, DNS, proxy logs via CEF/Syslog</a:t>
+            </a:r>
+          </a:p>
+          <a:p>
+            <a:r>
+              <a:t>- Daily ingestion: 500GB+ processed</a:t>
+            </a:r>
+          </a:p>
+          <a:p/>
+          <a:p>
+            <a:r>
+              <a:t>**Analytics &amp; Detection Layer:**</a:t>
+            </a:r>
+          </a:p>
+          <a:p>
+            <a:r>
+              <a:t>- 50+ KQL analytics rules active</a:t>
+            </a:r>
+          </a:p>
+          <a:p>
+            <a:r>
+              <a:t>- Microsoft-provided rules: 30 high-fidelity detections</a:t>
+            </a:r>
+          </a:p>
+          <a:p>
+            <a:r>
+              <a:t>- Custom rules: 20 organization-specific patterns</a:t>
+            </a:r>
+          </a:p>
+          <a:p>
+            <a:r>
+              <a:t>- UEBA: User and entity behavioral analytics</a:t>
+            </a:r>
+          </a:p>
+          <a:p>
+            <a:r>
+              <a:t>- Machine learning: Anomaly detection models</a:t>
+            </a:r>
+          </a:p>
+          <a:p>
+            <a:r>
+              <a:t>- Threat intelligence: 10+ feed integrations</a:t>
+            </a:r>
+          </a:p>
+          <a:p/>
+          <a:p>
+            <a:r>
+              <a:t>**Automation Layer - SOAR Playbooks:**</a:t>
+            </a:r>
+          </a:p>
+          <a:p>
+            <a:r>
+              <a:t>- 12 Logic App playbooks deployed</a:t>
+            </a:r>
+          </a:p>
+          <a:p>
+            <a:r>
+              <a:t>- Auto-enrichment: IP, domain, file hash lookups</a:t>
+            </a:r>
+          </a:p>
+          <a:p>
+            <a:r>
+              <a:t>- Auto-containment: Block malicious IPs, disable compromised accounts</a:t>
+            </a:r>
+          </a:p>
+          <a:p>
+            <a:r>
+              <a:t>- Auto-ticketing: ServiceNow incident creation</a:t>
+            </a:r>
+          </a:p>
+          <a:p>
+            <a:r>
+              <a:t>- Auto-notification: Email, Teams alerts to SOC</a:t>
+            </a:r>
+          </a:p>
+          <a:p>
+            <a:r>
+              <a:t>- Average automation savings: 45 minutes per incident</a:t>
+            </a:r>
+          </a:p>
+          <a:p/>
+          <a:p>
+            <a:r>
+              <a:t>**Key Architecture Decisions:**</a:t>
+            </a:r>
+          </a:p>
+          <a:p>
+            <a:r>
+              <a:t>1. Single workspace for unified visibility across all sources</a:t>
+            </a:r>
+          </a:p>
+          <a:p>
+            <a:r>
+              <a:t>2. Serverless playbooks for cost-effective automation</a:t>
+            </a:r>
+          </a:p>
+          <a:p>
+            <a:r>
+              <a:t>3. Tiered retention: 90 days hot, 24 months archive</a:t>
+            </a:r>
+          </a:p>
+          <a:p>
+            <a:r>
+              <a:t>4. Private endpoint for Log Analytics data plane</a:t>
+            </a:r>
+          </a:p>
+          <a:p/>
+          <a:p>
+            <a:r>
+              <a:t>*Transition:*</a:t>
+            </a:r>
+          </a:p>
+          <a:p>
+            <a:r>
+              <a:t>"Now let me show you the complete deliverables package we're handing over..."</a:t>
+            </a:r>
+          </a:p>
+        </p:txBody>
+      </p:sp>
+    </p:spTree>
+  </p:cSld>
+  <p:clrMapOvr>
+    <a:masterClrMapping/>
+  </p:clrMapOvr>
+</p:notes>
+</file>
+
+<file path=ppt/notesSlides/notesSlide3.xml><?xml version="1.0" encoding="utf-8"?>
+<p:notes xmlns:a="http://schemas.openxmlformats.org/drawingml/2006/main" xmlns:p="http://schemas.openxmlformats.org/presentationml/2006/main" xmlns:r="http://schemas.openxmlformats.org/officeDocument/2006/relationships">
+  <p:cSld>
+    <p:spTree>
+      <p:nvGrpSpPr>
+        <p:cNvPr id="1" name=""/>
+        <p:cNvGrpSpPr/>
+        <p:nvPr/>
+      </p:nvGrpSpPr>
+      <p:grpSpPr>
+        <a:xfrm>
+          <a:off x="0" y="0"/>
+          <a:ext cx="0" cy="0"/>
+          <a:chOff x="0" y="0"/>
+          <a:chExt cx="0" cy="0"/>
+        </a:xfrm>
+      </p:grpSpPr>
+      <p:sp>
+        <p:nvSpPr>
+          <p:cNvPr id="2" name="Slide Image Placeholder 1"/>
+          <p:cNvSpPr>
+            <a:spLocks noGrp="1"/>
+          </p:cNvSpPr>
+          <p:nvPr>
+            <p:ph type="sldImg"/>
+          </p:nvPr>
+        </p:nvSpPr>
+        <p:spPr/>
+      </p:sp>
+      <p:sp>
+        <p:nvSpPr>
+          <p:cNvPr id="3" name="Notes Placeholder 2"/>
+          <p:cNvSpPr>
+            <a:spLocks noGrp="1"/>
+          </p:cNvSpPr>
+          <p:nvPr>
+            <p:ph type="body" idx="1"/>
+          </p:nvPr>
+        </p:nvSpPr>
+        <p:spPr/>
+        <p:txBody>
+          <a:bodyPr/>
+          <a:lstStyle/>
+          <a:p>
+            <a:r>
+              <a:t>*Deliverables Deep Dive:*</a:t>
+            </a:r>
+          </a:p>
+          <a:p/>
+          <a:p>
+            <a:r>
+              <a:t>**1. Security Architecture Document:**</a:t>
+            </a:r>
+          </a:p>
+          <a:p>
+            <a:r>
+              <a:t>- 55 pages comprehensive technical documentation</a:t>
+            </a:r>
+          </a:p>
+          <a:p>
+            <a:r>
+              <a:t>- Data source inventory and connector configurations</a:t>
+            </a:r>
+          </a:p>
+          <a:p>
+            <a:r>
+              <a:t>- Analytics rule design and tuning rationale</a:t>
+            </a:r>
+          </a:p>
+          <a:p>
+            <a:r>
+              <a:t>- Incident workflow and escalation procedures</a:t>
+            </a:r>
+          </a:p>
+          <a:p>
+            <a:r>
+              <a:t>- Compliance mapping (SOC 2, HIPAA, PCI DSS)</a:t>
+            </a:r>
+          </a:p>
+          <a:p/>
+          <a:p>
+            <a:r>
+              <a:t>**2. Implementation Guide:**</a:t>
+            </a:r>
+          </a:p>
+          <a:p>
+            <a:r>
+              <a:t>- Step-by-step deployment procedures</a:t>
+            </a:r>
+          </a:p>
+          <a:p>
+            <a:r>
+              <a:t>- ARM templates for all Azure resources</a:t>
+            </a:r>
+          </a:p>
+          <a:p>
+            <a:r>
+              <a:t>- Data connector configuration guides</a:t>
+            </a:r>
+          </a:p>
+          <a:p>
+            <a:r>
+              <a:t>- Post-deployment validation procedures</a:t>
+            </a:r>
+          </a:p>
+          <a:p>
+            <a:r>
+              <a:t>- Rollback procedures for each phase</a:t>
+            </a:r>
+          </a:p>
+          <a:p/>
+          <a:p>
+            <a:r>
+              <a:t>**3. Analytics Rule Catalog:**</a:t>
+            </a:r>
+          </a:p>
+          <a:p>
+            <a:r>
+              <a:t>- Complete catalog of 50+ detection rules</a:t>
+            </a:r>
+          </a:p>
+          <a:p>
+            <a:r>
+              <a:t>- KQL query for each rule</a:t>
+            </a:r>
+          </a:p>
+          <a:p>
+            <a:r>
+              <a:t>- Attack technique mapping (MITRE ATT&amp;CK)</a:t>
+            </a:r>
+          </a:p>
+          <a:p>
+            <a:r>
+              <a:t>- Tuning guidance and threshold recommendations</a:t>
+            </a:r>
+          </a:p>
+          <a:p>
+            <a:r>
+              <a:t>- Custom rule development process</a:t>
+            </a:r>
+          </a:p>
+          <a:p/>
+          <a:p>
+            <a:r>
+              <a:t>**4. SOAR Playbook Library:**</a:t>
+            </a:r>
+          </a:p>
+          <a:p>
+            <a:r>
+              <a:t>- 12 Logic App playbooks with documentation</a:t>
+            </a:r>
+          </a:p>
+          <a:p>
+            <a:r>
+              <a:t>- Trigger conditions and execution logic</a:t>
+            </a:r>
+          </a:p>
+          <a:p>
+            <a:r>
+              <a:t>- Integration credentials and permissions</a:t>
+            </a:r>
+          </a:p>
+          <a:p>
+            <a:r>
+              <a:t>- Testing procedures for each playbook</a:t>
+            </a:r>
+          </a:p>
+          <a:p>
+            <a:r>
+              <a:t>- Modification guidelines</a:t>
+            </a:r>
+          </a:p>
+          <a:p/>
+          <a:p>
+            <a:r>
+              <a:t>**5. Operations Runbook:**</a:t>
+            </a:r>
+          </a:p>
+          <a:p>
+            <a:r>
+              <a:t>- Daily SOC operations checklist</a:t>
+            </a:r>
+          </a:p>
+          <a:p>
+            <a:r>
+              <a:t>- Incident investigation procedures</a:t>
+            </a:r>
+          </a:p>
+          <a:p>
+            <a:r>
+              <a:t>- Threat hunting queries and techniques</a:t>
+            </a:r>
+          </a:p>
+          <a:p>
+            <a:r>
+              <a:t>- Alert triage and prioritization</a:t>
+            </a:r>
+          </a:p>
+          <a:p>
+            <a:r>
+              <a:t>- Escalation procedures</a:t>
+            </a:r>
+          </a:p>
+          <a:p/>
+          <a:p>
+            <a:r>
+              <a:t>**6. Training Materials:**</a:t>
+            </a:r>
+          </a:p>
+          <a:p>
+            <a:r>
+              <a:t>- SOC Analyst Guide (PDF, 35 pages)</a:t>
+            </a:r>
+          </a:p>
+          <a:p>
+            <a:r>
+              <a:t>- Threat Hunting Guide (PDF, 25 pages)</a:t>
+            </a:r>
+          </a:p>
+          <a:p>
+            <a:r>
+              <a:t>- Video tutorials (5 recordings, 2.5 hours)</a:t>
+            </a:r>
+          </a:p>
+          <a:p>
+            <a:r>
+              <a:t>- KQL query reference guide</a:t>
+            </a:r>
+          </a:p>
+          <a:p/>
+          <a:p>
+            <a:r>
+              <a:t>*Transition:*</a:t>
+            </a:r>
+          </a:p>
+          <a:p>
+            <a:r>
+              <a:t>"Let's look at how the solution is performing against our targets..."</a:t>
+            </a:r>
+          </a:p>
+        </p:txBody>
+      </p:sp>
+    </p:spTree>
+  </p:cSld>
+  <p:clrMapOvr>
+    <a:masterClrMapping/>
+  </p:clrMapOvr>
+</p:notes>
+</file>
+
+<file path=ppt/notesSlides/notesSlide4.xml><?xml version="1.0" encoding="utf-8"?>
+<p:notes xmlns:a="http://schemas.openxmlformats.org/drawingml/2006/main" xmlns:p="http://schemas.openxmlformats.org/presentationml/2006/main" xmlns:r="http://schemas.openxmlformats.org/officeDocument/2006/relationships">
+  <p:cSld>
+    <p:spTree>
+      <p:nvGrpSpPr>
+        <p:cNvPr id="1" name=""/>
+        <p:cNvGrpSpPr/>
+        <p:nvPr/>
+      </p:nvGrpSpPr>
+      <p:grpSpPr>
+        <a:xfrm>
+          <a:off x="0" y="0"/>
+          <a:ext cx="0" cy="0"/>
+          <a:chOff x="0" y="0"/>
+          <a:chExt cx="0" cy="0"/>
+        </a:xfrm>
+      </p:grpSpPr>
+      <p:sp>
+        <p:nvSpPr>
+          <p:cNvPr id="2" name="Slide Image Placeholder 1"/>
+          <p:cNvSpPr>
+            <a:spLocks noGrp="1"/>
+          </p:cNvSpPr>
+          <p:nvPr>
+            <p:ph type="sldImg"/>
+          </p:nvPr>
+        </p:nvSpPr>
+        <p:spPr/>
+      </p:sp>
+      <p:sp>
+        <p:nvSpPr>
+          <p:cNvPr id="3" name="Notes Placeholder 2"/>
+          <p:cNvSpPr>
+            <a:spLocks noGrp="1"/>
+          </p:cNvSpPr>
+          <p:nvPr>
+            <p:ph type="body" idx="1"/>
+          </p:nvPr>
+        </p:nvSpPr>
+        <p:spPr/>
+        <p:txBody>
+          <a:bodyPr/>
+          <a:lstStyle/>
+          <a:p>
+            <a:r>
+              <a:t>*Quality &amp; Performance Deep Dive:*</a:t>
+            </a:r>
+          </a:p>
+          <a:p/>
+          <a:p>
+            <a:r>
+              <a:t>**Detection Metrics - Detailed Breakdown:**</a:t>
+            </a:r>
+          </a:p>
+          <a:p/>
+          <a:p>
+            <a:r>
+              <a:t>*Threat Detection: 99%*</a:t>
+            </a:r>
+          </a:p>
+          <a:p>
+            <a:r>
+              <a:t>- Validated against 1,000+ test scenarios</a:t>
+            </a:r>
+          </a:p>
+          <a:p>
+            <a:r>
+              <a:t>- Red team exercise: 99% of simulated attacks detected</a:t>
+            </a:r>
+          </a:p>
+          <a:p>
+            <a:r>
+              <a:t>- Attack types: Malware, phishing, credential theft, data exfiltration</a:t>
+            </a:r>
+          </a:p>
+          <a:p>
+            <a:r>
+              <a:t>- Zero missed detections for critical attack categories</a:t>
+            </a:r>
+          </a:p>
+          <a:p/>
+          <a:p>
+            <a:r>
+              <a:t>*False Positive Rate: 15%*</a:t>
+            </a:r>
+          </a:p>
+          <a:p>
+            <a:r>
+              <a:t>- SOW target: &lt;50% false positives</a:t>
+            </a:r>
+          </a:p>
+          <a:p>
+            <a:r>
+              <a:t>- Achieved: 15% through ML-powered tuning</a:t>
+            </a:r>
+          </a:p>
+          <a:p>
+            <a:r>
+              <a:t>- Baseline (legacy SIEM): 65% false positives</a:t>
+            </a:r>
+          </a:p>
+          <a:p>
+            <a:r>
+              <a:t>- Improvement: 77% reduction in noise</a:t>
+            </a:r>
+          </a:p>
+          <a:p/>
+          <a:p>
+            <a:r>
+              <a:t>*MITRE ATT&amp;CK Coverage: 85%*</a:t>
+            </a:r>
+          </a:p>
+          <a:p>
+            <a:r>
+              <a:t>- 12/14 tactics covered with active detections</a:t>
+            </a:r>
+          </a:p>
+          <a:p>
+            <a:r>
+              <a:t>- 150+ techniques mapped to analytics rules</a:t>
+            </a:r>
+          </a:p>
+          <a:p>
+            <a:r>
+              <a:t>- Gaps documented with roadmap for enhancement</a:t>
+            </a:r>
+          </a:p>
+          <a:p>
+            <a:r>
+              <a:t>- Priority areas: Cloud-specific techniques</a:t>
+            </a:r>
+          </a:p>
+          <a:p/>
+          <a:p>
+            <a:r>
+              <a:t>**Operational Metrics - Detailed Analysis:**</a:t>
+            </a:r>
+          </a:p>
+          <a:p/>
+          <a:p>
+            <a:r>
+              <a:t>*MTTD: 5 Minutes Average*</a:t>
+            </a:r>
+          </a:p>
+          <a:p>
+            <a:r>
+              <a:t>- SOW target: &lt;15 minutes</a:t>
+            </a:r>
+          </a:p>
+          <a:p>
+            <a:r>
+              <a:t>- Achieved: 5 minutes (67% better than target)</a:t>
+            </a:r>
+          </a:p>
+          <a:p>
+            <a:r>
+              <a:t>- Real-time streaming analytics</a:t>
+            </a:r>
+          </a:p>
+          <a:p>
+            <a:r>
+              <a:t>- Correlation across multiple data sources</a:t>
+            </a:r>
+          </a:p>
+          <a:p/>
+          <a:p>
+            <a:r>
+              <a:t>*MTTR: 24 Minutes Average*</a:t>
+            </a:r>
+          </a:p>
+          <a:p>
+            <a:r>
+              <a:t>- SOW target: &lt;60 minutes</a:t>
+            </a:r>
+          </a:p>
+          <a:p>
+            <a:r>
+              <a:t>- Achieved: 24 minutes (60% better than target)</a:t>
+            </a:r>
+          </a:p>
+          <a:p>
+            <a:r>
+              <a:t>- Automated enrichment saves 15 minutes</a:t>
+            </a:r>
+          </a:p>
+          <a:p>
+            <a:r>
+              <a:t>- Playbook execution saves 30 minutes</a:t>
+            </a:r>
+          </a:p>
+          <a:p>
+            <a:r>
+              <a:t>- Reduced from 4 hours baseline</a:t>
+            </a:r>
+          </a:p>
+          <a:p/>
+          <a:p>
+            <a:r>
+              <a:t>*SOC Capacity: 3x Throughput*</a:t>
+            </a:r>
+          </a:p>
+          <a:p>
+            <a:r>
+              <a:t>- Before: 50 incidents/day max capacity</a:t>
+            </a:r>
+          </a:p>
+          <a:p>
+            <a:r>
+              <a:t>- After: 150 incidents/day with same team</a:t>
+            </a:r>
+          </a:p>
+          <a:p>
+            <a:r>
+              <a:t>- Automation handles routine incidents</a:t>
+            </a:r>
+          </a:p>
+          <a:p>
+            <a:r>
+              <a:t>- Analysts focus on complex investigations</a:t>
+            </a:r>
+          </a:p>
+          <a:p/>
+          <a:p>
+            <a:r>
+              <a:t>**Comparison to SOW Targets:**</a:t>
+            </a:r>
+          </a:p>
+          <a:p>
+            <a:r>
+              <a:t>| Metric | SOW Target | Achieved | Status |</a:t>
+            </a:r>
+          </a:p>
+          <a:p>
+            <a:r>
+              <a:t>|--------|------------|----------|--------|</a:t>
+            </a:r>
+          </a:p>
+          <a:p>
+            <a:r>
+              <a:t>| Detection Rate | 95%+ | 99% | Exceeded |</a:t>
+            </a:r>
+          </a:p>
+          <a:p>
+            <a:r>
+              <a:t>| False Positives | &lt;50% | 15% | Exceeded |</a:t>
+            </a:r>
+          </a:p>
+          <a:p>
+            <a:r>
+              <a:t>| MTTD | &lt;15 min | 5 min | Exceeded |</a:t>
+            </a:r>
+          </a:p>
+          <a:p>
+            <a:r>
+              <a:t>| MTTR | &lt;60 min | 24 min | Exceeded |</a:t>
+            </a:r>
+          </a:p>
+          <a:p/>
+          <a:p>
+            <a:r>
+              <a:t>*Transition:*</a:t>
+            </a:r>
+          </a:p>
+          <a:p>
+            <a:r>
+              <a:t>"These security improvements translate directly into business value..."</a:t>
+            </a:r>
+          </a:p>
+        </p:txBody>
+      </p:sp>
+    </p:spTree>
+  </p:cSld>
+  <p:clrMapOvr>
+    <a:masterClrMapping/>
+  </p:clrMapOvr>
+</p:notes>
+</file>
+
+<file path=ppt/notesSlides/notesSlide5.xml><?xml version="1.0" encoding="utf-8"?>
+<p:notes xmlns:a="http://schemas.openxmlformats.org/drawingml/2006/main" xmlns:p="http://schemas.openxmlformats.org/presentationml/2006/main" xmlns:r="http://schemas.openxmlformats.org/officeDocument/2006/relationships">
+  <p:cSld>
+    <p:spTree>
+      <p:nvGrpSpPr>
+        <p:cNvPr id="1" name=""/>
+        <p:cNvGrpSpPr/>
+        <p:nvPr/>
+      </p:nvGrpSpPr>
+      <p:grpSpPr>
+        <a:xfrm>
+          <a:off x="0" y="0"/>
+          <a:ext cx="0" cy="0"/>
+          <a:chOff x="0" y="0"/>
+          <a:chExt cx="0" cy="0"/>
+        </a:xfrm>
+      </p:grpSpPr>
+      <p:sp>
+        <p:nvSpPr>
+          <p:cNvPr id="2" name="Slide Image Placeholder 1"/>
+          <p:cNvSpPr>
+            <a:spLocks noGrp="1"/>
+          </p:cNvSpPr>
+          <p:nvPr>
+            <p:ph type="sldImg"/>
+          </p:nvPr>
+        </p:nvSpPr>
+        <p:spPr/>
+      </p:sp>
+      <p:sp>
+        <p:nvSpPr>
+          <p:cNvPr id="3" name="Notes Placeholder 2"/>
+          <p:cNvSpPr>
+            <a:spLocks noGrp="1"/>
+          </p:cNvSpPr>
+          <p:nvPr>
+            <p:ph type="body" idx="1"/>
+          </p:nvPr>
+        </p:nvSpPr>
+        <p:spPr/>
+        <p:txBody>
+          <a:bodyPr/>
+          <a:lstStyle/>
+          <a:p>
+            <a:r>
+              <a:t>*Benefits Analysis - Detailed ROI Discussion:*</a:t>
+            </a:r>
+          </a:p>
+          <a:p/>
+          <a:p>
+            <a:r>
+              <a:t>**MTTR Reduction - 90%:**</a:t>
+            </a:r>
+          </a:p>
+          <a:p/>
+          <a:p>
+            <a:r>
+              <a:t>*Before (Legacy SIEM):*</a:t>
+            </a:r>
+          </a:p>
+          <a:p>
+            <a:r>
+              <a:t>- Average detection time: 45 minutes</a:t>
+            </a:r>
+          </a:p>
+          <a:p>
+            <a:r>
+              <a:t>- Manual investigation: 2+ hours</a:t>
+            </a:r>
+          </a:p>
+          <a:p>
+            <a:r>
+              <a:t>- Manual remediation: 1+ hours</a:t>
+            </a:r>
+          </a:p>
+          <a:p>
+            <a:r>
+              <a:t>- Total response: 4+ hours average</a:t>
+            </a:r>
+          </a:p>
+          <a:p/>
+          <a:p>
+            <a:r>
+              <a:t>*After (Azure Sentinel):*</a:t>
+            </a:r>
+          </a:p>
+          <a:p>
+            <a:r>
+              <a:t>- Real-time detection: 5 minutes</a:t>
+            </a:r>
+          </a:p>
+          <a:p>
+            <a:r>
+              <a:t>- Automated enrichment: 5 minutes</a:t>
+            </a:r>
+          </a:p>
+          <a:p>
+            <a:r>
+              <a:t>- Playbook execution: 10 minutes</a:t>
+            </a:r>
+          </a:p>
+          <a:p>
+            <a:r>
+              <a:t>- Analyst verification: 4 minutes</a:t>
+            </a:r>
+          </a:p>
+          <a:p>
+            <a:r>
+              <a:t>- Total response: 24 minutes average</a:t>
+            </a:r>
+          </a:p>
+          <a:p/>
+          <a:p>
+            <a:r>
+              <a:t>*Business Impact:*</a:t>
+            </a:r>
+          </a:p>
+          <a:p>
+            <a:r>
+              <a:t>- Faster containment reduces breach impact</a:t>
+            </a:r>
+          </a:p>
+          <a:p>
+            <a:r>
+              <a:t>- Reduced data exposure window</a:t>
+            </a:r>
+          </a:p>
+          <a:p>
+            <a:r>
+              <a:t>- Lower remediation costs</a:t>
+            </a:r>
+          </a:p>
+          <a:p/>
+          <a:p>
+            <a:r>
+              <a:t>**Cost Savings - 40%:**</a:t>
+            </a:r>
+          </a:p>
+          <a:p/>
+          <a:p>
+            <a:r>
+              <a:t>*Cost Comparison:*</a:t>
+            </a:r>
+          </a:p>
+          <a:p>
+            <a:r>
+              <a:t>| Category | Before (Annual) | After (Annual) | Savings |</a:t>
+            </a:r>
+          </a:p>
+          <a:p>
+            <a:r>
+              <a:t>|----------|-----------------|----------------|---------|</a:t>
+            </a:r>
+          </a:p>
+          <a:p>
+            <a:r>
+              <a:t>| SIEM Licensing | $95,000 | $48,500 | $46,500 |</a:t>
+            </a:r>
+          </a:p>
+          <a:p>
+            <a:r>
+              <a:t>| SOC Labor | $240,000 | $180,000 | $60,000 |</a:t>
+            </a:r>
+          </a:p>
+          <a:p>
+            <a:r>
+              <a:t>| Incident Response | $45,000 | $18,000 | $27,000 |</a:t>
+            </a:r>
+          </a:p>
+          <a:p>
+            <a:r>
+              <a:t>| Compliance Audit | $30,000 | $12,000 | $18,000 |</a:t>
+            </a:r>
+          </a:p>
+          <a:p>
+            <a:r>
+              <a:t>| **Total** | $410,000 | $258,500 | **$151,500** |</a:t>
+            </a:r>
+          </a:p>
+          <a:p/>
+          <a:p>
+            <a:r>
+              <a:t>*Note: After includes Azure Sentinel costs</a:t>
+            </a:r>
+          </a:p>
+          <a:p/>
+          <a:p>
+            <a:r>
+              <a:t>**ROI Summary:**</a:t>
+            </a:r>
+          </a:p>
+          <a:p/>
+          <a:p>
+            <a:r>
+              <a:t>| Metric | Value |</a:t>
+            </a:r>
+          </a:p>
+          <a:p>
+            <a:r>
+              <a:t>|--------|-------|</a:t>
+            </a:r>
+          </a:p>
+          <a:p>
+            <a:r>
+              <a:t>| Total Investment (Year 1) | $168,500 |</a:t>
+            </a:r>
+          </a:p>
+          <a:p>
+            <a:r>
+              <a:t>| Year 1 Savings | $151,500 |</a:t>
+            </a:r>
+          </a:p>
+          <a:p>
+            <a:r>
+              <a:t>| Year 1 Risk Reduction | $75,000 |</a:t>
+            </a:r>
+          </a:p>
+          <a:p>
+            <a:r>
+              <a:t>| Total Year 1 Benefit | $226,500 |</a:t>
+            </a:r>
+          </a:p>
+          <a:p>
+            <a:r>
+              <a:t>| Payback Period | 8.9 months |</a:t>
+            </a:r>
+          </a:p>
+          <a:p>
+            <a:r>
+              <a:t>| 3-Year TCO | $313,500 |</a:t>
+            </a:r>
+          </a:p>
+          <a:p>
+            <a:r>
+              <a:t>| 3-Year Benefit | $679,500 |</a:t>
+            </a:r>
+          </a:p>
+          <a:p>
+            <a:r>
+              <a:t>| 3-Year ROI | 117% |</a:t>
+            </a:r>
+          </a:p>
+          <a:p/>
+          <a:p>
+            <a:r>
+              <a:t>*Transition:*</a:t>
+            </a:r>
+          </a:p>
+          <a:p>
+            <a:r>
+              <a:t>"We learned valuable lessons during this implementation..."</a:t>
+            </a:r>
+          </a:p>
+        </p:txBody>
+      </p:sp>
+    </p:spTree>
+  </p:cSld>
+  <p:clrMapOvr>
+    <a:masterClrMapping/>
+  </p:clrMapOvr>
+</p:notes>
+</file>
+
+<file path=ppt/notesSlides/notesSlide6.xml><?xml version="1.0" encoding="utf-8"?>
+<p:notes xmlns:a="http://schemas.openxmlformats.org/drawingml/2006/main" xmlns:p="http://schemas.openxmlformats.org/presentationml/2006/main" xmlns:r="http://schemas.openxmlformats.org/officeDocument/2006/relationships">
+  <p:cSld>
+    <p:spTree>
+      <p:nvGrpSpPr>
+        <p:cNvPr id="1" name=""/>
+        <p:cNvGrpSpPr/>
+        <p:nvPr/>
+      </p:nvGrpSpPr>
+      <p:grpSpPr>
+        <a:xfrm>
+          <a:off x="0" y="0"/>
+          <a:ext cx="0" cy="0"/>
+          <a:chOff x="0" y="0"/>
+          <a:chExt cx="0" cy="0"/>
+        </a:xfrm>
+      </p:grpSpPr>
+      <p:sp>
+        <p:nvSpPr>
+          <p:cNvPr id="2" name="Slide Image Placeholder 1"/>
+          <p:cNvSpPr>
+            <a:spLocks noGrp="1"/>
+          </p:cNvSpPr>
+          <p:nvPr>
+            <p:ph type="sldImg"/>
+          </p:nvPr>
+        </p:nvSpPr>
+        <p:spPr/>
+      </p:sp>
+      <p:sp>
+        <p:nvSpPr>
+          <p:cNvPr id="3" name="Notes Placeholder 2"/>
+          <p:cNvSpPr>
+            <a:spLocks noGrp="1"/>
+          </p:cNvSpPr>
+          <p:nvPr>
+            <p:ph type="body" idx="1"/>
+          </p:nvPr>
+        </p:nvSpPr>
+        <p:spPr/>
+        <p:txBody>
+          <a:bodyPr/>
+          <a:lstStyle/>
+          <a:p>
+            <a:r>
+              <a:t>*Lessons Learned - Comprehensive Review:*</a:t>
+            </a:r>
+          </a:p>
+          <a:p/>
+          <a:p>
+            <a:r>
+              <a:t>**What Worked Well - Details:**</a:t>
+            </a:r>
+          </a:p>
+          <a:p/>
+          <a:p>
+            <a:r>
+              <a:t>*1. Phased Data Connector Approach:*</a:t>
+            </a:r>
+          </a:p>
+          <a:p>
+            <a:r>
+              <a:t>- Started with high-value sources (Azure AD, Office 365)</a:t>
+            </a:r>
+          </a:p>
+          <a:p>
+            <a:r>
+              <a:t>- Added complexity incrementally</a:t>
+            </a:r>
+          </a:p>
+          <a:p>
+            <a:r>
+              <a:t>- Validated each connector before adding more</a:t>
+            </a:r>
+          </a:p>
+          <a:p>
+            <a:r>
+              <a:t>- Avoided data overload during tuning</a:t>
+            </a:r>
+          </a:p>
+          <a:p/>
+          <a:p>
+            <a:r>
+              <a:t>*2. Early SOC Team Involvement:*</a:t>
+            </a:r>
+          </a:p>
+          <a:p>
+            <a:r>
+              <a:t>- SOC analysts participated from Week 2</a:t>
+            </a:r>
+          </a:p>
+          <a:p>
+            <a:r>
+              <a:t>- Input on detection priorities</a:t>
+            </a:r>
+          </a:p>
+          <a:p>
+            <a:r>
+              <a:t>- Familiarity before go-live</a:t>
+            </a:r>
+          </a:p>
+          <a:p>
+            <a:r>
+              <a:t>- Reduced training time significantly</a:t>
+            </a:r>
+          </a:p>
+          <a:p/>
+          <a:p>
+            <a:r>
+              <a:t>*3. Iterative Rule Tuning:*</a:t>
+            </a:r>
+          </a:p>
+          <a:p>
+            <a:r>
+              <a:t>- Initial deployment with Microsoft rules</a:t>
+            </a:r>
+          </a:p>
+          <a:p>
+            <a:r>
+              <a:t>- 2-week tuning period before custom rules</a:t>
+            </a:r>
+          </a:p>
+          <a:p>
+            <a:r>
+              <a:t>- Continuous refinement based on feedback</a:t>
+            </a:r>
+          </a:p>
+          <a:p>
+            <a:r>
+              <a:t>- False positive reduction from 40% to 15%</a:t>
+            </a:r>
+          </a:p>
+          <a:p/>
+          <a:p>
+            <a:r>
+              <a:t>**Challenges Overcome - Details:**</a:t>
+            </a:r>
+          </a:p>
+          <a:p/>
+          <a:p>
+            <a:r>
+              <a:t>*1. Legacy Log Format Conversion:*</a:t>
+            </a:r>
+          </a:p>
+          <a:p>
+            <a:r>
+              <a:t>- Challenge: On-premises logs in non-standard format</a:t>
+            </a:r>
+          </a:p>
+          <a:p>
+            <a:r>
+              <a:t>- Impact: Initial parsing failures</a:t>
+            </a:r>
+          </a:p>
+          <a:p>
+            <a:r>
+              <a:t>- Resolution: Custom CEF parser development</a:t>
+            </a:r>
+          </a:p>
+          <a:p>
+            <a:r>
+              <a:t>- Prevention: Log format assessment in discovery</a:t>
+            </a:r>
+          </a:p>
+          <a:p/>
+          <a:p>
+            <a:r>
+              <a:t>*2. Alert Volume Management:*</a:t>
+            </a:r>
+          </a:p>
+          <a:p>
+            <a:r>
+              <a:t>- Challenge: Initial 5,000+ alerts/day</a:t>
+            </a:r>
+          </a:p>
+          <a:p>
+            <a:r>
+              <a:t>- Impact: SOC overwhelmed, alert fatigue</a:t>
+            </a:r>
+          </a:p>
+          <a:p>
+            <a:r>
+              <a:t>- Resolution: Aggressive tuning, threshold adjustment</a:t>
+            </a:r>
+          </a:p>
+          <a:p>
+            <a:r>
+              <a:t>- Result: 800 alerts/day, 95% actionable</a:t>
+            </a:r>
+          </a:p>
+          <a:p/>
+          <a:p>
+            <a:r>
+              <a:t>**Recommendations for Future Enhancement:**</a:t>
+            </a:r>
+          </a:p>
+          <a:p/>
+          <a:p>
+            <a:r>
+              <a:t>*1. Expand Data Source Coverage:*</a:t>
+            </a:r>
+          </a:p>
+          <a:p>
+            <a:r>
+              <a:t>- Add cloud application logs (SaaS)</a:t>
+            </a:r>
+          </a:p>
+          <a:p>
+            <a:r>
+              <a:t>- Integrate OT/IoT security data</a:t>
+            </a:r>
+          </a:p>
+          <a:p>
+            <a:r>
+              <a:t>- Network traffic analytics</a:t>
+            </a:r>
+          </a:p>
+          <a:p>
+            <a:r>
+              <a:t>- Estimated effort: 4-6 weeks</a:t>
+            </a:r>
+          </a:p>
+          <a:p/>
+          <a:p>
+            <a:r>
+              <a:t>*2. XDR Integration:*</a:t>
+            </a:r>
+          </a:p>
+          <a:p>
+            <a:r>
+              <a:t>- Microsoft 365 Defender integration</a:t>
+            </a:r>
+          </a:p>
+          <a:p>
+            <a:r>
+              <a:t>- Unified incident management</a:t>
+            </a:r>
+          </a:p>
+          <a:p>
+            <a:r>
+              <a:t>- Automated cross-domain response</a:t>
+            </a:r>
+          </a:p>
+          <a:p>
+            <a:r>
+              <a:t>- Estimated investment: $25,000</a:t>
+            </a:r>
+          </a:p>
+          <a:p/>
+          <a:p>
+            <a:r>
+              <a:t>*Transition:*</a:t>
+            </a:r>
+          </a:p>
+          <a:p>
+            <a:r>
+              <a:t>"Let me walk you through how we're transitioning support to your team..."</a:t>
+            </a:r>
+          </a:p>
+        </p:txBody>
+      </p:sp>
+    </p:spTree>
+  </p:cSld>
+  <p:clrMapOvr>
+    <a:masterClrMapping/>
+  </p:clrMapOvr>
+</p:notes>
+</file>
+
+<file path=ppt/notesSlides/notesSlide7.xml><?xml version="1.0" encoding="utf-8"?>
+<p:notes xmlns:a="http://schemas.openxmlformats.org/drawingml/2006/main" xmlns:p="http://schemas.openxmlformats.org/presentationml/2006/main" xmlns:r="http://schemas.openxmlformats.org/officeDocument/2006/relationships">
+  <p:cSld>
+    <p:spTree>
+      <p:nvGrpSpPr>
+        <p:cNvPr id="1" name=""/>
+        <p:cNvGrpSpPr/>
+        <p:nvPr/>
+      </p:nvGrpSpPr>
+      <p:grpSpPr>
+        <a:xfrm>
+          <a:off x="0" y="0"/>
+          <a:ext cx="0" cy="0"/>
+          <a:chOff x="0" y="0"/>
+          <a:chExt cx="0" cy="0"/>
+        </a:xfrm>
+      </p:grpSpPr>
+      <p:sp>
+        <p:nvSpPr>
+          <p:cNvPr id="2" name="Slide Image Placeholder 1"/>
+          <p:cNvSpPr>
+            <a:spLocks noGrp="1"/>
+          </p:cNvSpPr>
+          <p:nvPr>
+            <p:ph type="sldImg"/>
+          </p:nvPr>
+        </p:nvSpPr>
+        <p:spPr/>
+      </p:sp>
+      <p:sp>
+        <p:nvSpPr>
+          <p:cNvPr id="3" name="Notes Placeholder 2"/>
+          <p:cNvSpPr>
+            <a:spLocks noGrp="1"/>
+          </p:cNvSpPr>
+          <p:nvPr>
+            <p:ph type="body" idx="1"/>
+          </p:nvPr>
+        </p:nvSpPr>
+        <p:spPr/>
+        <p:txBody>
+          <a:bodyPr/>
+          <a:lstStyle/>
+          <a:p>
+            <a:r>
+              <a:t>*Support Transition - Complete Details:*</a:t>
+            </a:r>
+          </a:p>
+          <a:p/>
+          <a:p>
+            <a:r>
+              <a:t>**Hypercare Period Summary (30 Days):**</a:t>
+            </a:r>
+          </a:p>
+          <a:p/>
+          <a:p>
+            <a:r>
+              <a:t>*Daily Activities Completed:*</a:t>
+            </a:r>
+          </a:p>
+          <a:p>
+            <a:r>
+              <a:t>- Morning alert review calls</a:t>
+            </a:r>
+          </a:p>
+          <a:p>
+            <a:r>
+              <a:t>- Detection accuracy monitoring</a:t>
+            </a:r>
+          </a:p>
+          <a:p>
+            <a:r>
+              <a:t>- Playbook execution review</a:t>
+            </a:r>
+          </a:p>
+          <a:p>
+            <a:r>
+              <a:t>- False positive analysis</a:t>
+            </a:r>
+          </a:p>
+          <a:p>
+            <a:r>
+              <a:t>- Rule tuning adjustments</a:t>
+            </a:r>
+          </a:p>
+          <a:p/>
+          <a:p>
+            <a:r>
+              <a:t>*Issues Resolved During Hypercare:*</a:t>
+            </a:r>
+          </a:p>
+          <a:p/>
+          <a:p>
+            <a:r>
+              <a:t>Issue #1 - Day 3:</a:t>
+            </a:r>
+          </a:p>
+          <a:p>
+            <a:r>
+              <a:t>- Problem: High volume of Azure AD sign-in alerts</a:t>
+            </a:r>
+          </a:p>
+          <a:p>
+            <a:r>
+              <a:t>- Root cause: Overly sensitive threshold</a:t>
+            </a:r>
+          </a:p>
+          <a:p>
+            <a:r>
+              <a:t>- Resolution: Adjusted baseline for legitimate patterns</a:t>
+            </a:r>
+          </a:p>
+          <a:p>
+            <a:r>
+              <a:t>- Result: 70% reduction in noise</a:t>
+            </a:r>
+          </a:p>
+          <a:p/>
+          <a:p>
+            <a:r>
+              <a:t>Issue #2 - Day 10:</a:t>
+            </a:r>
+          </a:p>
+          <a:p>
+            <a:r>
+              <a:t>- Problem: Playbook timeout for enrichment</a:t>
+            </a:r>
+          </a:p>
+          <a:p>
+            <a:r>
+              <a:t>- Root cause: Threat intel API latency</a:t>
+            </a:r>
+          </a:p>
+          <a:p>
+            <a:r>
+              <a:t>- Resolution: Added caching and retry logic</a:t>
+            </a:r>
+          </a:p>
+          <a:p>
+            <a:r>
+              <a:t>- Result: 99.5% playbook success rate</a:t>
+            </a:r>
+          </a:p>
+          <a:p/>
+          <a:p>
+            <a:r>
+              <a:t>*Knowledge Transfer Sessions:*</a:t>
+            </a:r>
+          </a:p>
+          <a:p/>
+          <a:p>
+            <a:r>
+              <a:t>| Session | Date | Attendees | Duration |</a:t>
+            </a:r>
+          </a:p>
+          <a:p>
+            <a:r>
+              <a:t>|---------|------|-----------|----------|</a:t>
+            </a:r>
+          </a:p>
+          <a:p>
+            <a:r>
+              <a:t>| SOC Operations | Week 10 | 6 analysts | 4 hours |</a:t>
+            </a:r>
+          </a:p>
+          <a:p>
+            <a:r>
+              <a:t>| Threat Hunting | Week 11 | 4 senior | 3 hours |</a:t>
+            </a:r>
+          </a:p>
+          <a:p>
+            <a:r>
+              <a:t>| Admin Deep Dive | Week 11 | 2 admins | 2 hours |</a:t>
+            </a:r>
+          </a:p>
+          <a:p>
+            <a:r>
+              <a:t>| Incident Response | Week 12 | 8 staff | 2 hours |</a:t>
+            </a:r>
+          </a:p>
+          <a:p/>
+          <a:p>
+            <a:r>
+              <a:t>*Transition:*</a:t>
+            </a:r>
+          </a:p>
+          <a:p>
+            <a:r>
+              <a:t>"Let me acknowledge the team and outline next steps..."</a:t>
+            </a:r>
+          </a:p>
+        </p:txBody>
+      </p:sp>
+    </p:spTree>
+  </p:cSld>
+  <p:clrMapOvr>
+    <a:masterClrMapping/>
+  </p:clrMapOvr>
+</p:notes>
+</file>
+
+<file path=ppt/notesSlides/notesSlide8.xml><?xml version="1.0" encoding="utf-8"?>
+<p:notes xmlns:a="http://schemas.openxmlformats.org/drawingml/2006/main" xmlns:p="http://schemas.openxmlformats.org/presentationml/2006/main" xmlns:r="http://schemas.openxmlformats.org/officeDocument/2006/relationships">
+  <p:cSld>
+    <p:spTree>
+      <p:nvGrpSpPr>
+        <p:cNvPr id="1" name=""/>
+        <p:cNvGrpSpPr/>
+        <p:nvPr/>
+      </p:nvGrpSpPr>
+      <p:grpSpPr>
+        <a:xfrm>
+          <a:off x="0" y="0"/>
+          <a:ext cx="0" cy="0"/>
+          <a:chOff x="0" y="0"/>
+          <a:chExt cx="0" cy="0"/>
+        </a:xfrm>
+      </p:grpSpPr>
+      <p:sp>
+        <p:nvSpPr>
+          <p:cNvPr id="2" name="Slide Image Placeholder 1"/>
+          <p:cNvSpPr>
+            <a:spLocks noGrp="1"/>
+          </p:cNvSpPr>
+          <p:nvPr>
+            <p:ph type="sldImg"/>
+          </p:nvPr>
+        </p:nvSpPr>
+        <p:spPr/>
+      </p:sp>
+      <p:sp>
+        <p:nvSpPr>
+          <p:cNvPr id="3" name="Notes Placeholder 2"/>
+          <p:cNvSpPr>
+            <a:spLocks noGrp="1"/>
+          </p:cNvSpPr>
+          <p:nvPr>
+            <p:ph type="body" idx="1"/>
+          </p:nvPr>
+        </p:nvSpPr>
+        <p:spPr/>
+        <p:txBody>
+          <a:bodyPr/>
+          <a:lstStyle/>
+          <a:p>
+            <a:r>
+              <a:t>*Acknowledgments:*</a:t>
+            </a:r>
+          </a:p>
+          <a:p/>
+          <a:p>
+            <a:r>
+              <a:t>**Client Team Recognition:**</a:t>
+            </a:r>
+          </a:p>
+          <a:p>
+            <a:r>
+              <a:t>- CISO [Name]: Executive sponsorship and strategic direction</a:t>
+            </a:r>
+          </a:p>
+          <a:p>
+            <a:r>
+              <a:t>- SOC Manager [Name]: Daily coordination and team leadership</a:t>
+            </a:r>
+          </a:p>
+          <a:p>
+            <a:r>
+              <a:t>- Senior Analysts: Detection rule validation and tuning feedback</a:t>
+            </a:r>
+          </a:p>
+          <a:p>
+            <a:r>
+              <a:t>- Compliance Team: Regulatory mapping and audit requirements</a:t>
+            </a:r>
+          </a:p>
+          <a:p/>
+          <a:p>
+            <a:r>
+              <a:t>**Vendor Team Recognition:**</a:t>
+            </a:r>
+          </a:p>
+          <a:p>
+            <a:r>
+              <a:t>- Project Manager: On-time, on-budget delivery</a:t>
+            </a:r>
+          </a:p>
+          <a:p>
+            <a:r>
+              <a:t>- Security Architect: Detection strategy and rule design</a:t>
+            </a:r>
+          </a:p>
+          <a:p>
+            <a:r>
+              <a:t>- SIEM Engineer: Data connector and integration work</a:t>
+            </a:r>
+          </a:p>
+          <a:p>
+            <a:r>
+              <a:t>- Automation Specialist: SOAR playbook development</a:t>
+            </a:r>
+          </a:p>
+          <a:p/>
+          <a:p>
+            <a:r>
+              <a:t>**Immediate Next Steps:**</a:t>
+            </a:r>
+          </a:p>
+          <a:p>
+            <a:r>
+              <a:t>| Task | Owner | Due Date |</a:t>
+            </a:r>
+          </a:p>
+          <a:p>
+            <a:r>
+              <a:t>|------|-------|----------|</a:t>
+            </a:r>
+          </a:p>
+          <a:p>
+            <a:r>
+              <a:t>| Final documentation | PM | [Date] |</a:t>
+            </a:r>
+          </a:p>
+          <a:p>
+            <a:r>
+              <a:t>| Archive project site | PM | [Date] |</a:t>
+            </a:r>
+          </a:p>
+          <a:p>
+            <a:r>
+              <a:t>| First monthly review | SOC Manager | [Date+30] |</a:t>
+            </a:r>
+          </a:p>
+          <a:p/>
+          <a:p>
+            <a:r>
+              <a:t>*Transition:*</a:t>
+            </a:r>
+          </a:p>
+          <a:p>
+            <a:r>
+              <a:t>"Thank you for your partnership. Questions?"</a:t>
+            </a:r>
+          </a:p>
+        </p:txBody>
+      </p:sp>
+    </p:spTree>
+  </p:cSld>
+  <p:clrMapOvr>
+    <a:masterClrMapping/>
+  </p:clrMapOvr>
+</p:notes>
+</file>
+
+<file path=ppt/notesSlides/notesSlide9.xml><?xml version="1.0" encoding="utf-8"?>
+<p:notes xmlns:a="http://schemas.openxmlformats.org/drawingml/2006/main" xmlns:p="http://schemas.openxmlformats.org/presentationml/2006/main" xmlns:r="http://schemas.openxmlformats.org/officeDocument/2006/relationships">
+  <p:cSld>
+    <p:spTree>
+      <p:nvGrpSpPr>
+        <p:cNvPr id="1" name=""/>
+        <p:cNvGrpSpPr/>
+        <p:nvPr/>
+      </p:nvGrpSpPr>
+      <p:grpSpPr>
+        <a:xfrm>
+          <a:off x="0" y="0"/>
+          <a:ext cx="0" cy="0"/>
+          <a:chOff x="0" y="0"/>
+          <a:chExt cx="0" cy="0"/>
+        </a:xfrm>
+      </p:grpSpPr>
+      <p:sp>
+        <p:nvSpPr>
+          <p:cNvPr id="2" name="Slide Image Placeholder 1"/>
+          <p:cNvSpPr>
+            <a:spLocks noGrp="1"/>
+          </p:cNvSpPr>
+          <p:nvPr>
+            <p:ph type="sldImg"/>
+          </p:nvPr>
+        </p:nvSpPr>
+        <p:spPr/>
+      </p:sp>
+      <p:sp>
+        <p:nvSpPr>
+          <p:cNvPr id="3" name="Notes Placeholder 2"/>
+          <p:cNvSpPr>
+            <a:spLocks noGrp="1"/>
+          </p:cNvSpPr>
+          <p:nvPr>
+            <p:ph type="body" idx="1"/>
+          </p:nvPr>
+        </p:nvSpPr>
+        <p:spPr/>
+        <p:txBody>
+          <a:bodyPr/>
+          <a:lstStyle/>
+          <a:p>
+            <a:r>
+              <a:t>*Closing:*</a:t>
+            </a:r>
+          </a:p>
+          <a:p>
+            <a:r>
+              <a:t>"Thank you for your partnership throughout this project. We've successfully transformed [Client Name]'s security operations with Azure Sentinel. The platform is detecting threats in real-time, the SOC team is trained and operational, and you're seeing measurable security improvements.</a:t>
+            </a:r>
+          </a:p>
+          <a:p/>
+          <a:p>
+            <a:r>
+              <a:t>Questions?"</a:t>
+            </a:r>
+          </a:p>
+          <a:p/>
+          <a:p>
+            <a:r>
+              <a:t>**Anticipated Questions:**</a:t>
+            </a:r>
+          </a:p>
+          <a:p/>
+          <a:p>
+            <a:r>
+              <a:t>*Q: How do we add new data sources?*</a:t>
+            </a:r>
+          </a:p>
+          <a:p>
+            <a:r>
+              <a:t>A: Data connector configuration is documented in the implementation guide. Most Azure sources are point-and-click. For third-party sources, we have templates for CEF/Syslog ingestion.</a:t>
+            </a:r>
+          </a:p>
+          <a:p/>
+          <a:p>
+            <a:r>
+              <a:t>*Q: What if detection rules need adjustment?*</a:t>
+            </a:r>
+          </a:p>
+          <a:p>
+            <a:r>
+              <a:t>A: Monthly tuning review process is established. SOC team can adjust thresholds via Azure Portal. For complex changes, reference the analytics rule catalog.</a:t>
+            </a:r>
+          </a:p>
+          <a:p/>
+          <a:p>
+            <a:r>
+              <a:t>*Q: What are the ongoing Azure costs?*</a:t>
+            </a:r>
+          </a:p>
+          <a:p>
+            <a:r>
+              <a:t>A: Current run rate ~$4,000/month based on 500GB/day ingestion. Costs scale with data volume. Cost dashboard provides visibility.</a:t>
+            </a:r>
+          </a:p>
+          <a:p/>
+          <a:p>
+            <a:r>
+              <a:t>**Follow-Up Commitments:**</a:t>
+            </a:r>
+          </a:p>
+          <a:p>
+            <a:r>
+              <a:t>- [ ] Send final presentation to all attendees</a:t>
+            </a:r>
+          </a:p>
+          <a:p>
+            <a:r>
+              <a:t>- [ ] Distribute SOC quick reference guide</a:t>
+            </a:r>
+          </a:p>
+          <a:p>
+            <a:r>
+              <a:t>- [ ] Schedule 30-day tuning review</a:t>
+            </a:r>
+          </a:p>
+          <a:p>
+            <a:r>
+              <a:t>- [ ] Provide XDR integration assessment</a:t>
+            </a:r>
+          </a:p>
+          <a:p/>
+          <a:p>
+            <a:r>
+              <a:t>"Thank you for your trust. We look forward to supporting your security journey."</a:t>
+            </a:r>
+          </a:p>
+        </p:txBody>
+      </p:sp>
+    </p:spTree>
+  </p:cSld>
+  <p:clrMapOvr>
+    <a:masterClrMapping/>
+  </p:clrMapOvr>
+</p:notes>
+</file>
+
 <file path=ppt/slideLayouts/slideLayout1.xml><?xml version="1.0" encoding="utf-8"?>
 <p:sldLayout xmlns:a="http://schemas.openxmlformats.org/drawingml/2006/main" xmlns:r="http://schemas.openxmlformats.org/officeDocument/2006/relationships" xmlns:p="http://schemas.openxmlformats.org/presentationml/2006/main" preserve="1" userDrawn="1">
   <p:cSld name="EO Title Slide">
@@ -627,6 +2658,39 @@
       </p:grpSpPr>
       <p:sp>
         <p:nvSpPr>
+          <p:cNvPr id="12" name="Picture Placeholder 13">
+            <a:extLst>
+              <a:ext uri="{FF2B5EF4-FFF2-40B4-BE49-F238E27FC236}">
+                <a16:creationId xmlns:a16="http://schemas.microsoft.com/office/drawing/2014/main" id="{2DB97592-C4D5-B315-7F11-AA14F6EE8A62}"/>
+              </a:ext>
+            </a:extLst>
+          </p:cNvPr>
+          <p:cNvSpPr>
+            <a:spLocks noGrp="1"/>
+          </p:cNvSpPr>
+          <p:nvPr>
+            <p:ph type="pic" sz="quarter" idx="13"/>
+          </p:nvPr>
+        </p:nvSpPr>
+        <p:spPr>
+          <a:xfrm>
+            <a:off x="313593" y="4536078"/>
+            <a:ext cx="2143858" cy="529698"/>
+          </a:xfrm>
+          <a:prstGeom prst="rect">
+            <a:avLst/>
+          </a:prstGeom>
+        </p:spPr>
+        <p:txBody>
+          <a:bodyPr/>
+          <a:lstStyle/>
+          <a:p>
+            <a:endParaRPr lang="en-US" dirty="0"/>
+          </a:p>
+        </p:txBody>
+      </p:sp>
+      <p:sp>
+        <p:nvSpPr>
           <p:cNvPr id="3" name="Shape 1">
             <a:extLst>
               <a:ext uri="{FF2B5EF4-FFF2-40B4-BE49-F238E27FC236}">
@@ -721,69 +2785,6 @@
       </p:sp>
       <p:sp>
         <p:nvSpPr>
-          <p:cNvPr id="12" name="Picture Placeholder 13">
-            <a:extLst>
-              <a:ext uri="{FF2B5EF4-FFF2-40B4-BE49-F238E27FC236}">
-                <a16:creationId xmlns:a16="http://schemas.microsoft.com/office/drawing/2014/main" id="{2DB97592-C4D5-B315-7F11-AA14F6EE8A62}"/>
-              </a:ext>
-            </a:extLst>
-          </p:cNvPr>
-          <p:cNvSpPr>
-            <a:spLocks noGrp="1"/>
-          </p:cNvSpPr>
-          <p:nvPr>
-            <p:ph type="pic" sz="quarter" idx="13"/>
-          </p:nvPr>
-        </p:nvSpPr>
-        <p:spPr>
-          <a:xfrm>
-            <a:off x="313593" y="4536078"/>
-            <a:ext cx="2143858" cy="529698"/>
-          </a:xfrm>
-          <a:prstGeom prst="rect">
-            <a:avLst/>
-          </a:prstGeom>
-        </p:spPr>
-        <p:txBody>
-          <a:bodyPr/>
-          <a:lstStyle/>
-          <a:p>
-            <a:endParaRPr lang="en-US" dirty="0"/>
-          </a:p>
-        </p:txBody>
-      </p:sp>
-      <p:pic>
-        <p:nvPicPr>
-          <p:cNvPr id="13" name="Image 0" descr="/home/claude/eo-framework-logo.png">
-            <a:extLst>
-              <a:ext uri="{FF2B5EF4-FFF2-40B4-BE49-F238E27FC236}">
-                <a16:creationId xmlns:a16="http://schemas.microsoft.com/office/drawing/2014/main" id="{25116040-BB88-891D-9118-628A78E99872}"/>
-              </a:ext>
-            </a:extLst>
-          </p:cNvPr>
-          <p:cNvPicPr>
-            <a:picLocks noChangeAspect="1"/>
-          </p:cNvPicPr>
-          <p:nvPr userDrawn="1"/>
-        </p:nvPicPr>
-        <p:blipFill>
-          <a:blip r:embed="rId2"/>
-          <a:stretch>
-            <a:fillRect/>
-          </a:stretch>
-        </p:blipFill>
-        <p:spPr>
-          <a:xfrm>
-            <a:off x="6945879" y="4648200"/>
-            <a:ext cx="1952244" cy="417576"/>
-          </a:xfrm>
-          <a:prstGeom prst="rect">
-            <a:avLst/>
-          </a:prstGeom>
-        </p:spPr>
-      </p:pic>
-      <p:sp>
-        <p:nvSpPr>
           <p:cNvPr id="4" name="Text Placeholder 3">
             <a:extLst>
               <a:ext uri="{FF2B5EF4-FFF2-40B4-BE49-F238E27FC236}">
@@ -811,7 +2812,7 @@
           <a:bodyPr/>
           <a:lstStyle>
             <a:lvl1pPr>
-              <a:defRPr sz="2000" baseline="0">
+              <a:defRPr sz="2000" b="1" baseline="0">
                 <a:solidFill>
                   <a:srgbClr val="C00000"/>
                 </a:solidFill>
@@ -857,6 +2858,48 @@
             <a:r>
               <a:rPr lang="en-US" dirty="0"/>
               <a:t>Fourth level</a:t>
+            </a:r>
+          </a:p>
+        </p:txBody>
+      </p:sp>
+      <p:sp>
+        <p:nvSpPr>
+          <p:cNvPr id="5" name="Text Placeholder 4">
+            <a:extLst>
+              <a:ext uri="{FF2B5EF4-FFF2-40B4-BE49-F238E27FC236}">
+                <a16:creationId xmlns:a16="http://schemas.microsoft.com/office/drawing/2014/main" id="{57F71806-AFEA-DD6D-E6AA-E2A002E682DE}"/>
+              </a:ext>
+            </a:extLst>
+          </p:cNvPr>
+          <p:cNvSpPr>
+            <a:spLocks noGrp="1"/>
+          </p:cNvSpPr>
+          <p:nvPr>
+            <p:ph type="body" sz="quarter" idx="15" hasCustomPrompt="1"/>
+          </p:nvPr>
+        </p:nvSpPr>
+        <p:spPr>
+          <a:xfrm>
+            <a:off x="5627076" y="4738688"/>
+            <a:ext cx="3218473" cy="238125"/>
+          </a:xfrm>
+          <a:prstGeom prst="rect">
+            <a:avLst/>
+          </a:prstGeom>
+        </p:spPr>
+        <p:txBody>
+          <a:bodyPr/>
+          <a:lstStyle>
+            <a:lvl5pPr algn="r">
+              <a:buNone/>
+              <a:defRPr sz="1100"/>
+            </a:lvl5pPr>
+          </a:lstStyle>
+          <a:p>
+            <a:pPr lvl="4"/>
+            <a:r>
+              <a:rPr lang="en-US" dirty="0"/>
+              <a:t>Project Name</a:t>
             </a:r>
           </a:p>
         </p:txBody>
@@ -893,6 +2936,39 @@
       </p:grpSpPr>
       <p:sp>
         <p:nvSpPr>
+          <p:cNvPr id="12" name="Picture Placeholder 13">
+            <a:extLst>
+              <a:ext uri="{FF2B5EF4-FFF2-40B4-BE49-F238E27FC236}">
+                <a16:creationId xmlns:a16="http://schemas.microsoft.com/office/drawing/2014/main" id="{2DB97592-C4D5-B315-7F11-AA14F6EE8A62}"/>
+              </a:ext>
+            </a:extLst>
+          </p:cNvPr>
+          <p:cNvSpPr>
+            <a:spLocks noGrp="1"/>
+          </p:cNvSpPr>
+          <p:nvPr>
+            <p:ph type="pic" sz="quarter" idx="13"/>
+          </p:nvPr>
+        </p:nvSpPr>
+        <p:spPr>
+          <a:xfrm>
+            <a:off x="313593" y="4536078"/>
+            <a:ext cx="2143858" cy="529698"/>
+          </a:xfrm>
+          <a:prstGeom prst="rect">
+            <a:avLst/>
+          </a:prstGeom>
+        </p:spPr>
+        <p:txBody>
+          <a:bodyPr/>
+          <a:lstStyle/>
+          <a:p>
+            <a:endParaRPr lang="en-US" dirty="0"/>
+          </a:p>
+        </p:txBody>
+      </p:sp>
+      <p:sp>
+        <p:nvSpPr>
           <p:cNvPr id="3" name="Shape 1">
             <a:extLst>
               <a:ext uri="{FF2B5EF4-FFF2-40B4-BE49-F238E27FC236}">
@@ -987,69 +3063,6 @@
       </p:sp>
       <p:sp>
         <p:nvSpPr>
-          <p:cNvPr id="12" name="Picture Placeholder 13">
-            <a:extLst>
-              <a:ext uri="{FF2B5EF4-FFF2-40B4-BE49-F238E27FC236}">
-                <a16:creationId xmlns:a16="http://schemas.microsoft.com/office/drawing/2014/main" id="{2DB97592-C4D5-B315-7F11-AA14F6EE8A62}"/>
-              </a:ext>
-            </a:extLst>
-          </p:cNvPr>
-          <p:cNvSpPr>
-            <a:spLocks noGrp="1"/>
-          </p:cNvSpPr>
-          <p:nvPr>
-            <p:ph type="pic" sz="quarter" idx="13"/>
-          </p:nvPr>
-        </p:nvSpPr>
-        <p:spPr>
-          <a:xfrm>
-            <a:off x="313593" y="4536078"/>
-            <a:ext cx="2143858" cy="529698"/>
-          </a:xfrm>
-          <a:prstGeom prst="rect">
-            <a:avLst/>
-          </a:prstGeom>
-        </p:spPr>
-        <p:txBody>
-          <a:bodyPr/>
-          <a:lstStyle/>
-          <a:p>
-            <a:endParaRPr lang="en-US" dirty="0"/>
-          </a:p>
-        </p:txBody>
-      </p:sp>
-      <p:pic>
-        <p:nvPicPr>
-          <p:cNvPr id="13" name="Image 0" descr="/home/claude/eo-framework-logo.png">
-            <a:extLst>
-              <a:ext uri="{FF2B5EF4-FFF2-40B4-BE49-F238E27FC236}">
-                <a16:creationId xmlns:a16="http://schemas.microsoft.com/office/drawing/2014/main" id="{25116040-BB88-891D-9118-628A78E99872}"/>
-              </a:ext>
-            </a:extLst>
-          </p:cNvPr>
-          <p:cNvPicPr>
-            <a:picLocks noChangeAspect="1"/>
-          </p:cNvPicPr>
-          <p:nvPr userDrawn="1"/>
-        </p:nvPicPr>
-        <p:blipFill>
-          <a:blip r:embed="rId2"/>
-          <a:stretch>
-            <a:fillRect/>
-          </a:stretch>
-        </p:blipFill>
-        <p:spPr>
-          <a:xfrm>
-            <a:off x="6945879" y="4648200"/>
-            <a:ext cx="1952244" cy="417576"/>
-          </a:xfrm>
-          <a:prstGeom prst="rect">
-            <a:avLst/>
-          </a:prstGeom>
-        </p:spPr>
-      </p:pic>
-      <p:sp>
-        <p:nvSpPr>
           <p:cNvPr id="4" name="Text Placeholder 3">
             <a:extLst>
               <a:ext uri="{FF2B5EF4-FFF2-40B4-BE49-F238E27FC236}">
@@ -1109,6 +3122,48 @@
             <a:r>
               <a:rPr lang="en-US" dirty="0"/>
               <a:t>Bullet Point 2</a:t>
+            </a:r>
+          </a:p>
+        </p:txBody>
+      </p:sp>
+      <p:sp>
+        <p:nvSpPr>
+          <p:cNvPr id="5" name="Text Placeholder 4">
+            <a:extLst>
+              <a:ext uri="{FF2B5EF4-FFF2-40B4-BE49-F238E27FC236}">
+                <a16:creationId xmlns:a16="http://schemas.microsoft.com/office/drawing/2014/main" id="{162079A5-28FD-9D2F-2B9B-2FC8F9339A31}"/>
+              </a:ext>
+            </a:extLst>
+          </p:cNvPr>
+          <p:cNvSpPr>
+            <a:spLocks noGrp="1"/>
+          </p:cNvSpPr>
+          <p:nvPr>
+            <p:ph type="body" sz="quarter" idx="15" hasCustomPrompt="1"/>
+          </p:nvPr>
+        </p:nvSpPr>
+        <p:spPr>
+          <a:xfrm>
+            <a:off x="5627076" y="4738688"/>
+            <a:ext cx="3218473" cy="238125"/>
+          </a:xfrm>
+          <a:prstGeom prst="rect">
+            <a:avLst/>
+          </a:prstGeom>
+        </p:spPr>
+        <p:txBody>
+          <a:bodyPr/>
+          <a:lstStyle>
+            <a:lvl5pPr algn="r">
+              <a:buNone/>
+              <a:defRPr sz="1100"/>
+            </a:lvl5pPr>
+          </a:lstStyle>
+          <a:p>
+            <a:pPr lvl="4"/>
+            <a:r>
+              <a:rPr lang="en-US" dirty="0"/>
+              <a:t>Project Name</a:t>
             </a:r>
           </a:p>
         </p:txBody>
@@ -1145,6 +3200,39 @@
       </p:grpSpPr>
       <p:sp>
         <p:nvSpPr>
+          <p:cNvPr id="10" name="Picture Placeholder 13">
+            <a:extLst>
+              <a:ext uri="{FF2B5EF4-FFF2-40B4-BE49-F238E27FC236}">
+                <a16:creationId xmlns:a16="http://schemas.microsoft.com/office/drawing/2014/main" id="{6A0FA445-7602-F06E-EC73-5504EBF827CC}"/>
+              </a:ext>
+            </a:extLst>
+          </p:cNvPr>
+          <p:cNvSpPr>
+            <a:spLocks noGrp="1"/>
+          </p:cNvSpPr>
+          <p:nvPr>
+            <p:ph type="pic" sz="quarter" idx="14"/>
+          </p:nvPr>
+        </p:nvSpPr>
+        <p:spPr>
+          <a:xfrm>
+            <a:off x="313592" y="4536078"/>
+            <a:ext cx="2121877" cy="529698"/>
+          </a:xfrm>
+          <a:prstGeom prst="rect">
+            <a:avLst/>
+          </a:prstGeom>
+        </p:spPr>
+        <p:txBody>
+          <a:bodyPr/>
+          <a:lstStyle/>
+          <a:p>
+            <a:endParaRPr lang="en-US" dirty="0"/>
+          </a:p>
+        </p:txBody>
+      </p:sp>
+      <p:sp>
+        <p:nvSpPr>
           <p:cNvPr id="3" name="Shape 1">
             <a:extLst>
               <a:ext uri="{FF2B5EF4-FFF2-40B4-BE49-F238E27FC236}">
@@ -1237,69 +3325,6 @@
           </a:p>
         </p:txBody>
       </p:sp>
-      <p:pic>
-        <p:nvPicPr>
-          <p:cNvPr id="8" name="Image 0" descr="/home/claude/eo-framework-logo.png">
-            <a:extLst>
-              <a:ext uri="{FF2B5EF4-FFF2-40B4-BE49-F238E27FC236}">
-                <a16:creationId xmlns:a16="http://schemas.microsoft.com/office/drawing/2014/main" id="{4B7035C6-0EF1-6BD3-318E-553D1AAD6709}"/>
-              </a:ext>
-            </a:extLst>
-          </p:cNvPr>
-          <p:cNvPicPr>
-            <a:picLocks noChangeAspect="1"/>
-          </p:cNvPicPr>
-          <p:nvPr userDrawn="1"/>
-        </p:nvPicPr>
-        <p:blipFill>
-          <a:blip r:embed="rId2"/>
-          <a:stretch>
-            <a:fillRect/>
-          </a:stretch>
-        </p:blipFill>
-        <p:spPr>
-          <a:xfrm>
-            <a:off x="6945879" y="4648200"/>
-            <a:ext cx="1952244" cy="417576"/>
-          </a:xfrm>
-          <a:prstGeom prst="rect">
-            <a:avLst/>
-          </a:prstGeom>
-        </p:spPr>
-      </p:pic>
-      <p:sp>
-        <p:nvSpPr>
-          <p:cNvPr id="10" name="Picture Placeholder 13">
-            <a:extLst>
-              <a:ext uri="{FF2B5EF4-FFF2-40B4-BE49-F238E27FC236}">
-                <a16:creationId xmlns:a16="http://schemas.microsoft.com/office/drawing/2014/main" id="{6A0FA445-7602-F06E-EC73-5504EBF827CC}"/>
-              </a:ext>
-            </a:extLst>
-          </p:cNvPr>
-          <p:cNvSpPr>
-            <a:spLocks noGrp="1"/>
-          </p:cNvSpPr>
-          <p:nvPr>
-            <p:ph type="pic" sz="quarter" idx="14"/>
-          </p:nvPr>
-        </p:nvSpPr>
-        <p:spPr>
-          <a:xfrm>
-            <a:off x="313592" y="4536078"/>
-            <a:ext cx="2121877" cy="529698"/>
-          </a:xfrm>
-          <a:prstGeom prst="rect">
-            <a:avLst/>
-          </a:prstGeom>
-        </p:spPr>
-        <p:txBody>
-          <a:bodyPr/>
-          <a:lstStyle/>
-          <a:p>
-            <a:endParaRPr lang="en-US" dirty="0"/>
-          </a:p>
-        </p:txBody>
-      </p:sp>
       <p:sp>
         <p:nvSpPr>
           <p:cNvPr id="6" name="Text Placeholder 5">
@@ -1319,7 +3344,7 @@
         <p:spPr>
           <a:xfrm>
             <a:off x="193675" y="678433"/>
-            <a:ext cx="4462463" cy="3785515"/>
+            <a:ext cx="4431079" cy="3785515"/>
           </a:xfrm>
           <a:prstGeom prst="rect">
             <a:avLst/>
@@ -1329,7 +3354,7 @@
           <a:bodyPr/>
           <a:lstStyle>
             <a:lvl1pPr>
-              <a:defRPr sz="1800">
+              <a:defRPr sz="1800" b="1">
                 <a:solidFill>
                   <a:srgbClr val="C00000"/>
                 </a:solidFill>
@@ -1403,8 +3428,8 @@
         </p:nvSpPr>
         <p:spPr>
           <a:xfrm>
-            <a:off x="4840288" y="678433"/>
-            <a:ext cx="4110037" cy="3785515"/>
+            <a:off x="4721470" y="678433"/>
+            <a:ext cx="4228856" cy="3785515"/>
           </a:xfrm>
           <a:prstGeom prst="rect">
             <a:avLst/>
@@ -1414,7 +3439,7 @@
           <a:bodyPr/>
           <a:lstStyle>
             <a:lvl1pPr>
-              <a:defRPr sz="1800">
+              <a:defRPr sz="1800" b="1">
                 <a:solidFill>
                   <a:srgbClr val="C00000"/>
                 </a:solidFill>
@@ -1466,6 +3491,48 @@
             <a:r>
               <a:rPr lang="en-US" dirty="0"/>
               <a:t>Fifth level</a:t>
+            </a:r>
+          </a:p>
+        </p:txBody>
+      </p:sp>
+      <p:sp>
+        <p:nvSpPr>
+          <p:cNvPr id="4" name="Text Placeholder 4">
+            <a:extLst>
+              <a:ext uri="{FF2B5EF4-FFF2-40B4-BE49-F238E27FC236}">
+                <a16:creationId xmlns:a16="http://schemas.microsoft.com/office/drawing/2014/main" id="{5DF49ED0-89F0-F008-ADD7-D71F338C8B9B}"/>
+              </a:ext>
+            </a:extLst>
+          </p:cNvPr>
+          <p:cNvSpPr>
+            <a:spLocks noGrp="1"/>
+          </p:cNvSpPr>
+          <p:nvPr>
+            <p:ph type="body" sz="quarter" idx="15" hasCustomPrompt="1"/>
+          </p:nvPr>
+        </p:nvSpPr>
+        <p:spPr>
+          <a:xfrm>
+            <a:off x="5697414" y="4681864"/>
+            <a:ext cx="3218473" cy="238125"/>
+          </a:xfrm>
+          <a:prstGeom prst="rect">
+            <a:avLst/>
+          </a:prstGeom>
+        </p:spPr>
+        <p:txBody>
+          <a:bodyPr/>
+          <a:lstStyle>
+            <a:lvl5pPr algn="r">
+              <a:buNone/>
+              <a:defRPr sz="1100"/>
+            </a:lvl5pPr>
+          </a:lstStyle>
+          <a:p>
+            <a:pPr lvl="4"/>
+            <a:r>
+              <a:rPr lang="en-US" dirty="0"/>
+              <a:t>Project Name</a:t>
             </a:r>
           </a:p>
         </p:txBody>
@@ -1502,6 +3569,39 @@
       </p:grpSpPr>
       <p:sp>
         <p:nvSpPr>
+          <p:cNvPr id="12" name="Picture Placeholder 13">
+            <a:extLst>
+              <a:ext uri="{FF2B5EF4-FFF2-40B4-BE49-F238E27FC236}">
+                <a16:creationId xmlns:a16="http://schemas.microsoft.com/office/drawing/2014/main" id="{2DB97592-C4D5-B315-7F11-AA14F6EE8A62}"/>
+              </a:ext>
+            </a:extLst>
+          </p:cNvPr>
+          <p:cNvSpPr>
+            <a:spLocks noGrp="1"/>
+          </p:cNvSpPr>
+          <p:nvPr>
+            <p:ph type="pic" sz="quarter" idx="13"/>
+          </p:nvPr>
+        </p:nvSpPr>
+        <p:spPr>
+          <a:xfrm>
+            <a:off x="313592" y="4536078"/>
+            <a:ext cx="2126273" cy="529698"/>
+          </a:xfrm>
+          <a:prstGeom prst="rect">
+            <a:avLst/>
+          </a:prstGeom>
+        </p:spPr>
+        <p:txBody>
+          <a:bodyPr/>
+          <a:lstStyle/>
+          <a:p>
+            <a:endParaRPr lang="en-US" dirty="0"/>
+          </a:p>
+        </p:txBody>
+      </p:sp>
+      <p:sp>
+        <p:nvSpPr>
           <p:cNvPr id="3" name="Shape 1">
             <a:extLst>
               <a:ext uri="{FF2B5EF4-FFF2-40B4-BE49-F238E27FC236}">
@@ -1623,69 +3723,6 @@
       </p:sp>
       <p:sp>
         <p:nvSpPr>
-          <p:cNvPr id="12" name="Picture Placeholder 13">
-            <a:extLst>
-              <a:ext uri="{FF2B5EF4-FFF2-40B4-BE49-F238E27FC236}">
-                <a16:creationId xmlns:a16="http://schemas.microsoft.com/office/drawing/2014/main" id="{2DB97592-C4D5-B315-7F11-AA14F6EE8A62}"/>
-              </a:ext>
-            </a:extLst>
-          </p:cNvPr>
-          <p:cNvSpPr>
-            <a:spLocks noGrp="1"/>
-          </p:cNvSpPr>
-          <p:nvPr>
-            <p:ph type="pic" sz="quarter" idx="13"/>
-          </p:nvPr>
-        </p:nvSpPr>
-        <p:spPr>
-          <a:xfrm>
-            <a:off x="313592" y="4536078"/>
-            <a:ext cx="2126273" cy="529698"/>
-          </a:xfrm>
-          <a:prstGeom prst="rect">
-            <a:avLst/>
-          </a:prstGeom>
-        </p:spPr>
-        <p:txBody>
-          <a:bodyPr/>
-          <a:lstStyle/>
-          <a:p>
-            <a:endParaRPr lang="en-US" dirty="0"/>
-          </a:p>
-        </p:txBody>
-      </p:sp>
-      <p:pic>
-        <p:nvPicPr>
-          <p:cNvPr id="13" name="Image 0" descr="/home/claude/eo-framework-logo.png">
-            <a:extLst>
-              <a:ext uri="{FF2B5EF4-FFF2-40B4-BE49-F238E27FC236}">
-                <a16:creationId xmlns:a16="http://schemas.microsoft.com/office/drawing/2014/main" id="{25116040-BB88-891D-9118-628A78E99872}"/>
-              </a:ext>
-            </a:extLst>
-          </p:cNvPr>
-          <p:cNvPicPr>
-            <a:picLocks noChangeAspect="1"/>
-          </p:cNvPicPr>
-          <p:nvPr userDrawn="1"/>
-        </p:nvPicPr>
-        <p:blipFill>
-          <a:blip r:embed="rId2"/>
-          <a:stretch>
-            <a:fillRect/>
-          </a:stretch>
-        </p:blipFill>
-        <p:spPr>
-          <a:xfrm>
-            <a:off x="6945879" y="4648200"/>
-            <a:ext cx="1952244" cy="417576"/>
-          </a:xfrm>
-          <a:prstGeom prst="rect">
-            <a:avLst/>
-          </a:prstGeom>
-        </p:spPr>
-      </p:pic>
-      <p:sp>
-        <p:nvSpPr>
           <p:cNvPr id="5" name="Table Placeholder 4">
             <a:extLst>
               <a:ext uri="{FF2B5EF4-FFF2-40B4-BE49-F238E27FC236}">
@@ -1714,6 +3751,48 @@
           <a:lstStyle/>
           <a:p>
             <a:endParaRPr lang="en-US"/>
+          </a:p>
+        </p:txBody>
+      </p:sp>
+      <p:sp>
+        <p:nvSpPr>
+          <p:cNvPr id="4" name="Text Placeholder 4">
+            <a:extLst>
+              <a:ext uri="{FF2B5EF4-FFF2-40B4-BE49-F238E27FC236}">
+                <a16:creationId xmlns:a16="http://schemas.microsoft.com/office/drawing/2014/main" id="{A00DC936-676C-1BAA-B4B4-D45CC5951D6E}"/>
+              </a:ext>
+            </a:extLst>
+          </p:cNvPr>
+          <p:cNvSpPr>
+            <a:spLocks noGrp="1"/>
+          </p:cNvSpPr>
+          <p:nvPr>
+            <p:ph type="body" sz="quarter" idx="15" hasCustomPrompt="1"/>
+          </p:nvPr>
+        </p:nvSpPr>
+        <p:spPr>
+          <a:xfrm>
+            <a:off x="5749315" y="4681864"/>
+            <a:ext cx="3218473" cy="238125"/>
+          </a:xfrm>
+          <a:prstGeom prst="rect">
+            <a:avLst/>
+          </a:prstGeom>
+        </p:spPr>
+        <p:txBody>
+          <a:bodyPr/>
+          <a:lstStyle>
+            <a:lvl5pPr algn="r">
+              <a:buNone/>
+              <a:defRPr sz="1100"/>
+            </a:lvl5pPr>
+          </a:lstStyle>
+          <a:p>
+            <a:pPr lvl="4"/>
+            <a:r>
+              <a:rPr lang="en-US" dirty="0"/>
+              <a:t>Project Name</a:t>
+            </a:r>
           </a:p>
         </p:txBody>
       </p:sp>
@@ -1749,6 +3828,39 @@
       </p:grpSpPr>
       <p:sp>
         <p:nvSpPr>
+          <p:cNvPr id="10" name="Picture Placeholder 13">
+            <a:extLst>
+              <a:ext uri="{FF2B5EF4-FFF2-40B4-BE49-F238E27FC236}">
+                <a16:creationId xmlns:a16="http://schemas.microsoft.com/office/drawing/2014/main" id="{6A0FA445-7602-F06E-EC73-5504EBF827CC}"/>
+              </a:ext>
+            </a:extLst>
+          </p:cNvPr>
+          <p:cNvSpPr>
+            <a:spLocks noGrp="1"/>
+          </p:cNvSpPr>
+          <p:nvPr>
+            <p:ph type="pic" sz="quarter" idx="14"/>
+          </p:nvPr>
+        </p:nvSpPr>
+        <p:spPr>
+          <a:xfrm>
+            <a:off x="313592" y="4536078"/>
+            <a:ext cx="2130670" cy="529698"/>
+          </a:xfrm>
+          <a:prstGeom prst="rect">
+            <a:avLst/>
+          </a:prstGeom>
+        </p:spPr>
+        <p:txBody>
+          <a:bodyPr/>
+          <a:lstStyle/>
+          <a:p>
+            <a:endParaRPr lang="en-US" dirty="0"/>
+          </a:p>
+        </p:txBody>
+      </p:sp>
+      <p:sp>
+        <p:nvSpPr>
           <p:cNvPr id="3" name="Shape 1">
             <a:extLst>
               <a:ext uri="{FF2B5EF4-FFF2-40B4-BE49-F238E27FC236}">
@@ -1841,69 +3953,6 @@
           </a:p>
         </p:txBody>
       </p:sp>
-      <p:pic>
-        <p:nvPicPr>
-          <p:cNvPr id="8" name="Image 0" descr="/home/claude/eo-framework-logo.png">
-            <a:extLst>
-              <a:ext uri="{FF2B5EF4-FFF2-40B4-BE49-F238E27FC236}">
-                <a16:creationId xmlns:a16="http://schemas.microsoft.com/office/drawing/2014/main" id="{4B7035C6-0EF1-6BD3-318E-553D1AAD6709}"/>
-              </a:ext>
-            </a:extLst>
-          </p:cNvPr>
-          <p:cNvPicPr>
-            <a:picLocks noChangeAspect="1"/>
-          </p:cNvPicPr>
-          <p:nvPr userDrawn="1"/>
-        </p:nvPicPr>
-        <p:blipFill>
-          <a:blip r:embed="rId2"/>
-          <a:stretch>
-            <a:fillRect/>
-          </a:stretch>
-        </p:blipFill>
-        <p:spPr>
-          <a:xfrm>
-            <a:off x="6945879" y="4648200"/>
-            <a:ext cx="1952244" cy="417576"/>
-          </a:xfrm>
-          <a:prstGeom prst="rect">
-            <a:avLst/>
-          </a:prstGeom>
-        </p:spPr>
-      </p:pic>
-      <p:sp>
-        <p:nvSpPr>
-          <p:cNvPr id="10" name="Picture Placeholder 13">
-            <a:extLst>
-              <a:ext uri="{FF2B5EF4-FFF2-40B4-BE49-F238E27FC236}">
-                <a16:creationId xmlns:a16="http://schemas.microsoft.com/office/drawing/2014/main" id="{6A0FA445-7602-F06E-EC73-5504EBF827CC}"/>
-              </a:ext>
-            </a:extLst>
-          </p:cNvPr>
-          <p:cNvSpPr>
-            <a:spLocks noGrp="1"/>
-          </p:cNvSpPr>
-          <p:nvPr>
-            <p:ph type="pic" sz="quarter" idx="14"/>
-          </p:nvPr>
-        </p:nvSpPr>
-        <p:spPr>
-          <a:xfrm>
-            <a:off x="313592" y="4536078"/>
-            <a:ext cx="2130670" cy="529698"/>
-          </a:xfrm>
-          <a:prstGeom prst="rect">
-            <a:avLst/>
-          </a:prstGeom>
-        </p:spPr>
-        <p:txBody>
-          <a:bodyPr/>
-          <a:lstStyle/>
-          <a:p>
-            <a:endParaRPr lang="en-US" dirty="0"/>
-          </a:p>
-        </p:txBody>
-      </p:sp>
       <p:sp>
         <p:nvSpPr>
           <p:cNvPr id="6" name="Picture Placeholder 5">
@@ -1966,7 +4015,7 @@
           <a:bodyPr/>
           <a:lstStyle>
             <a:lvl1pPr>
-              <a:defRPr sz="1800">
+              <a:defRPr sz="1800" b="1">
                 <a:solidFill>
                   <a:srgbClr val="C00000"/>
                 </a:solidFill>
@@ -2018,6 +4067,48 @@
             <a:r>
               <a:rPr lang="en-US" dirty="0"/>
               <a:t>Fifth level</a:t>
+            </a:r>
+          </a:p>
+        </p:txBody>
+      </p:sp>
+      <p:sp>
+        <p:nvSpPr>
+          <p:cNvPr id="2" name="Text Placeholder 4">
+            <a:extLst>
+              <a:ext uri="{FF2B5EF4-FFF2-40B4-BE49-F238E27FC236}">
+                <a16:creationId xmlns:a16="http://schemas.microsoft.com/office/drawing/2014/main" id="{6D03683B-7C4B-D474-74C5-EC53E3BB515B}"/>
+              </a:ext>
+            </a:extLst>
+          </p:cNvPr>
+          <p:cNvSpPr>
+            <a:spLocks noGrp="1"/>
+          </p:cNvSpPr>
+          <p:nvPr>
+            <p:ph type="body" sz="quarter" idx="17" hasCustomPrompt="1"/>
+          </p:nvPr>
+        </p:nvSpPr>
+        <p:spPr>
+          <a:xfrm>
+            <a:off x="5781065" y="4729530"/>
+            <a:ext cx="3218473" cy="238125"/>
+          </a:xfrm>
+          <a:prstGeom prst="rect">
+            <a:avLst/>
+          </a:prstGeom>
+        </p:spPr>
+        <p:txBody>
+          <a:bodyPr/>
+          <a:lstStyle>
+            <a:lvl5pPr algn="r">
+              <a:buNone/>
+              <a:defRPr sz="1100"/>
+            </a:lvl5pPr>
+          </a:lstStyle>
+          <a:p>
+            <a:pPr lvl="4"/>
+            <a:r>
+              <a:rPr lang="en-US" dirty="0"/>
+              <a:t>Project Name</a:t>
             </a:r>
           </a:p>
         </p:txBody>
@@ -2054,6 +4145,39 @@
       </p:grpSpPr>
       <p:sp>
         <p:nvSpPr>
+          <p:cNvPr id="10" name="Picture Placeholder 13">
+            <a:extLst>
+              <a:ext uri="{FF2B5EF4-FFF2-40B4-BE49-F238E27FC236}">
+                <a16:creationId xmlns:a16="http://schemas.microsoft.com/office/drawing/2014/main" id="{6A0FA445-7602-F06E-EC73-5504EBF827CC}"/>
+              </a:ext>
+            </a:extLst>
+          </p:cNvPr>
+          <p:cNvSpPr>
+            <a:spLocks noGrp="1"/>
+          </p:cNvSpPr>
+          <p:nvPr>
+            <p:ph type="pic" sz="quarter" idx="14"/>
+          </p:nvPr>
+        </p:nvSpPr>
+        <p:spPr>
+          <a:xfrm>
+            <a:off x="313592" y="4536078"/>
+            <a:ext cx="2104294" cy="529698"/>
+          </a:xfrm>
+          <a:prstGeom prst="rect">
+            <a:avLst/>
+          </a:prstGeom>
+        </p:spPr>
+        <p:txBody>
+          <a:bodyPr/>
+          <a:lstStyle/>
+          <a:p>
+            <a:endParaRPr lang="en-US" dirty="0"/>
+          </a:p>
+        </p:txBody>
+      </p:sp>
+      <p:sp>
+        <p:nvSpPr>
           <p:cNvPr id="3" name="Shape 1">
             <a:extLst>
               <a:ext uri="{FF2B5EF4-FFF2-40B4-BE49-F238E27FC236}">
@@ -2146,69 +4270,6 @@
           </a:p>
         </p:txBody>
       </p:sp>
-      <p:pic>
-        <p:nvPicPr>
-          <p:cNvPr id="8" name="Image 0" descr="/home/claude/eo-framework-logo.png">
-            <a:extLst>
-              <a:ext uri="{FF2B5EF4-FFF2-40B4-BE49-F238E27FC236}">
-                <a16:creationId xmlns:a16="http://schemas.microsoft.com/office/drawing/2014/main" id="{4B7035C6-0EF1-6BD3-318E-553D1AAD6709}"/>
-              </a:ext>
-            </a:extLst>
-          </p:cNvPr>
-          <p:cNvPicPr>
-            <a:picLocks noChangeAspect="1"/>
-          </p:cNvPicPr>
-          <p:nvPr userDrawn="1"/>
-        </p:nvPicPr>
-        <p:blipFill>
-          <a:blip r:embed="rId2"/>
-          <a:stretch>
-            <a:fillRect/>
-          </a:stretch>
-        </p:blipFill>
-        <p:spPr>
-          <a:xfrm>
-            <a:off x="6945879" y="4648200"/>
-            <a:ext cx="1952244" cy="417576"/>
-          </a:xfrm>
-          <a:prstGeom prst="rect">
-            <a:avLst/>
-          </a:prstGeom>
-        </p:spPr>
-      </p:pic>
-      <p:sp>
-        <p:nvSpPr>
-          <p:cNvPr id="10" name="Picture Placeholder 13">
-            <a:extLst>
-              <a:ext uri="{FF2B5EF4-FFF2-40B4-BE49-F238E27FC236}">
-                <a16:creationId xmlns:a16="http://schemas.microsoft.com/office/drawing/2014/main" id="{6A0FA445-7602-F06E-EC73-5504EBF827CC}"/>
-              </a:ext>
-            </a:extLst>
-          </p:cNvPr>
-          <p:cNvSpPr>
-            <a:spLocks noGrp="1"/>
-          </p:cNvSpPr>
-          <p:nvPr>
-            <p:ph type="pic" sz="quarter" idx="14"/>
-          </p:nvPr>
-        </p:nvSpPr>
-        <p:spPr>
-          <a:xfrm>
-            <a:off x="313592" y="4536078"/>
-            <a:ext cx="2104294" cy="529698"/>
-          </a:xfrm>
-          <a:prstGeom prst="rect">
-            <a:avLst/>
-          </a:prstGeom>
-        </p:spPr>
-        <p:txBody>
-          <a:bodyPr/>
-          <a:lstStyle/>
-          <a:p>
-            <a:endParaRPr lang="en-US" dirty="0"/>
-          </a:p>
-        </p:txBody>
-      </p:sp>
       <p:sp>
         <p:nvSpPr>
           <p:cNvPr id="5" name="Chart Placeholder 4">
@@ -2271,7 +4332,7 @@
           <a:bodyPr/>
           <a:lstStyle>
             <a:lvl1pPr>
-              <a:defRPr sz="1800">
+              <a:defRPr sz="1800" b="1">
                 <a:solidFill>
                   <a:srgbClr val="C00000"/>
                 </a:solidFill>
@@ -2323,6 +4384,48 @@
             <a:r>
               <a:rPr lang="en-US" dirty="0"/>
               <a:t>Fifth level</a:t>
+            </a:r>
+          </a:p>
+        </p:txBody>
+      </p:sp>
+      <p:sp>
+        <p:nvSpPr>
+          <p:cNvPr id="4" name="Text Placeholder 4">
+            <a:extLst>
+              <a:ext uri="{FF2B5EF4-FFF2-40B4-BE49-F238E27FC236}">
+                <a16:creationId xmlns:a16="http://schemas.microsoft.com/office/drawing/2014/main" id="{A1231DFE-6A5A-950E-159E-9E1D3D45FD36}"/>
+              </a:ext>
+            </a:extLst>
+          </p:cNvPr>
+          <p:cNvSpPr>
+            <a:spLocks noGrp="1"/>
+          </p:cNvSpPr>
+          <p:nvPr>
+            <p:ph type="body" sz="quarter" idx="17" hasCustomPrompt="1"/>
+          </p:nvPr>
+        </p:nvSpPr>
+        <p:spPr>
+          <a:xfrm>
+            <a:off x="5679465" y="4681864"/>
+            <a:ext cx="3218473" cy="238125"/>
+          </a:xfrm>
+          <a:prstGeom prst="rect">
+            <a:avLst/>
+          </a:prstGeom>
+        </p:spPr>
+        <p:txBody>
+          <a:bodyPr/>
+          <a:lstStyle>
+            <a:lvl5pPr algn="r">
+              <a:buNone/>
+              <a:defRPr sz="900"/>
+            </a:lvl5pPr>
+          </a:lstStyle>
+          <a:p>
+            <a:pPr lvl="4"/>
+            <a:r>
+              <a:rPr lang="en-US" dirty="0"/>
+              <a:t>Project Name</a:t>
             </a:r>
           </a:p>
         </p:txBody>
@@ -3132,18 +5235,6 @@
       <p:grpSpPr/>
       <p:sp>
         <p:nvSpPr>
-          <p:cNvPr id="2" name="Picture Placeholder 1"/>
-          <p:cNvSpPr>
-            <a:spLocks noGrp="1"/>
-          </p:cNvSpPr>
-          <p:nvPr>
-            <p:ph type="pic" idx="10" sz="quarter"/>
-          </p:nvPr>
-        </p:nvSpPr>
-        <p:spPr/>
-      </p:sp>
-      <p:sp>
-        <p:nvSpPr>
           <p:cNvPr id="3" name="Text Placeholder 2"/>
           <p:cNvSpPr>
             <a:spLocks noGrp="1"/>
@@ -3158,22 +5249,10 @@
           <a:lstStyle/>
           <a:p>
             <a:r>
-              <a:t>Presentation Title</a:t>
-            </a:r>
-          </a:p>
-        </p:txBody>
-      </p:sp>
-      <p:sp>
-        <p:nvSpPr>
-          <p:cNvPr id="4" name="Picture Placeholder 3"/>
-          <p:cNvSpPr>
-            <a:spLocks noGrp="1"/>
-          </p:cNvSpPr>
-          <p:nvPr>
-            <p:ph type="pic" idx="13" sz="quarter"/>
-          </p:nvPr>
-        </p:nvSpPr>
-        <p:spPr/>
+              <a:t>Project Closeout</a:t>
+            </a:r>
+          </a:p>
+        </p:txBody>
       </p:sp>
       <p:sp>
         <p:nvSpPr>
@@ -3191,7 +5270,7 @@
           <a:lstStyle/>
           <a:p>
             <a:r>
-              <a:t>Solution Name</a:t>
+              <a:t>Azure Sentinel SIEM</a:t>
             </a:r>
           </a:p>
         </p:txBody>
@@ -3212,11 +5291,2701 @@
           <a:lstStyle/>
           <a:p>
             <a:r>
-              <a:t>Presenter Name | November 15, 2025</a:t>
-            </a:r>
-          </a:p>
-        </p:txBody>
-      </p:sp>
+              <a:t>Project Manager | November 27, 2025</a:t>
+            </a:r>
+          </a:p>
+        </p:txBody>
+      </p:sp>
+      <p:pic>
+        <p:nvPicPr>
+          <p:cNvPr id="7" name="Picture 6" descr="client_logo.png"/>
+          <p:cNvPicPr>
+            <a:picLocks noChangeAspect="1"/>
+          </p:cNvPicPr>
+          <p:nvPr/>
+        </p:nvPicPr>
+        <p:blipFill>
+          <a:blip r:embed="rId2"/>
+          <a:stretch>
+            <a:fillRect/>
+          </a:stretch>
+        </p:blipFill>
+        <p:spPr>
+          <a:xfrm>
+            <a:off x="2180492" y="171206"/>
+            <a:ext cx="3978520" cy="1314694"/>
+          </a:xfrm>
+          <a:prstGeom prst="rect">
+            <a:avLst/>
+          </a:prstGeom>
+        </p:spPr>
+      </p:pic>
+      <p:pic>
+        <p:nvPicPr>
+          <p:cNvPr id="8" name="Picture 7" descr="consulting_company_logo.png"/>
+          <p:cNvPicPr>
+            <a:picLocks noChangeAspect="1"/>
+          </p:cNvPicPr>
+          <p:nvPr/>
+        </p:nvPicPr>
+        <p:blipFill>
+          <a:blip r:embed="rId3"/>
+          <a:stretch>
+            <a:fillRect/>
+          </a:stretch>
+        </p:blipFill>
+        <p:spPr>
+          <a:xfrm>
+            <a:off x="313591" y="4536078"/>
+            <a:ext cx="2099897" cy="529698"/>
+          </a:xfrm>
+          <a:prstGeom prst="rect">
+            <a:avLst/>
+          </a:prstGeom>
+        </p:spPr>
+      </p:pic>
+      <p:pic>
+        <p:nvPicPr>
+          <p:cNvPr id="9" name="Picture 8" descr="eo-framework-logo-real.png"/>
+          <p:cNvPicPr>
+            <a:picLocks noChangeAspect="1"/>
+          </p:cNvPicPr>
+          <p:nvPr/>
+        </p:nvPicPr>
+        <p:blipFill>
+          <a:blip r:embed="rId4"/>
+          <a:stretch>
+            <a:fillRect/>
+          </a:stretch>
+        </p:blipFill>
+        <p:spPr>
+          <a:xfrm>
+            <a:off x="6684264" y="4535424"/>
+            <a:ext cx="2139696" cy="530352"/>
+          </a:xfrm>
+          <a:prstGeom prst="rect">
+            <a:avLst/>
+          </a:prstGeom>
+        </p:spPr>
+      </p:pic>
+    </p:spTree>
+  </p:cSld>
+  <p:clrMapOvr>
+    <a:masterClrMapping/>
+  </p:clrMapOvr>
+</p:sld>
+</file>
+
+<file path=ppt/slides/slide10.xml><?xml version="1.0" encoding="utf-8"?>
+<p:sld xmlns:a="http://schemas.openxmlformats.org/drawingml/2006/main" xmlns:p="http://schemas.openxmlformats.org/presentationml/2006/main" xmlns:r="http://schemas.openxmlformats.org/officeDocument/2006/relationships">
+  <p:cSld>
+    <p:spTree>
+      <p:nvGrpSpPr>
+        <p:cNvPr id="1" name=""/>
+        <p:cNvGrpSpPr/>
+        <p:nvPr/>
+      </p:nvGrpSpPr>
+      <p:grpSpPr/>
+      <p:sp>
+        <p:nvSpPr>
+          <p:cNvPr id="3" name="Text Placeholder 2"/>
+          <p:cNvSpPr>
+            <a:spLocks noGrp="1"/>
+          </p:cNvSpPr>
+          <p:nvPr>
+            <p:ph type="body" idx="12" sz="quarter"/>
+          </p:nvPr>
+        </p:nvSpPr>
+        <p:spPr/>
+        <p:txBody>
+          <a:bodyPr/>
+          <a:lstStyle/>
+          <a:p>
+            <a:r>
+              <a:t>Thank You</a:t>
+            </a:r>
+          </a:p>
+        </p:txBody>
+      </p:sp>
+      <p:sp>
+        <p:nvSpPr>
+          <p:cNvPr id="5" name="Text Placeholder 4"/>
+          <p:cNvSpPr>
+            <a:spLocks noGrp="1"/>
+          </p:cNvSpPr>
+          <p:nvPr>
+            <p:ph type="body" idx="14" sz="quarter"/>
+          </p:nvPr>
+        </p:nvSpPr>
+        <p:spPr/>
+        <p:txBody>
+          <a:bodyPr/>
+          <a:lstStyle/>
+          <a:p/>
+        </p:txBody>
+      </p:sp>
+      <p:sp>
+        <p:nvSpPr>
+          <p:cNvPr id="6" name="Text Placeholder 5"/>
+          <p:cNvSpPr>
+            <a:spLocks noGrp="1"/>
+          </p:cNvSpPr>
+          <p:nvPr>
+            <p:ph type="body" idx="15" sz="quarter"/>
+          </p:nvPr>
+        </p:nvSpPr>
+        <p:spPr/>
+        <p:txBody>
+          <a:bodyPr/>
+          <a:lstStyle/>
+          <a:p/>
+        </p:txBody>
+      </p:sp>
+      <p:pic>
+        <p:nvPicPr>
+          <p:cNvPr id="7" name="Picture 6" descr="client_logo.png"/>
+          <p:cNvPicPr>
+            <a:picLocks noChangeAspect="1"/>
+          </p:cNvPicPr>
+          <p:nvPr/>
+        </p:nvPicPr>
+        <p:blipFill>
+          <a:blip r:embed="rId3"/>
+          <a:stretch>
+            <a:fillRect/>
+          </a:stretch>
+        </p:blipFill>
+        <p:spPr>
+          <a:xfrm>
+            <a:off x="2180492" y="171206"/>
+            <a:ext cx="3978520" cy="1314694"/>
+          </a:xfrm>
+          <a:prstGeom prst="rect">
+            <a:avLst/>
+          </a:prstGeom>
+        </p:spPr>
+      </p:pic>
+      <p:pic>
+        <p:nvPicPr>
+          <p:cNvPr id="8" name="Picture 7" descr="consulting_company_logo.png"/>
+          <p:cNvPicPr>
+            <a:picLocks noChangeAspect="1"/>
+          </p:cNvPicPr>
+          <p:nvPr/>
+        </p:nvPicPr>
+        <p:blipFill>
+          <a:blip r:embed="rId4"/>
+          <a:stretch>
+            <a:fillRect/>
+          </a:stretch>
+        </p:blipFill>
+        <p:spPr>
+          <a:xfrm>
+            <a:off x="313592" y="4536078"/>
+            <a:ext cx="2164114" cy="529698"/>
+          </a:xfrm>
+          <a:prstGeom prst="rect">
+            <a:avLst/>
+          </a:prstGeom>
+        </p:spPr>
+      </p:pic>
+      <p:pic>
+        <p:nvPicPr>
+          <p:cNvPr id="9" name="Picture 8" descr="eo-framework-logo-real.png"/>
+          <p:cNvPicPr>
+            <a:picLocks noChangeAspect="1"/>
+          </p:cNvPicPr>
+          <p:nvPr/>
+        </p:nvPicPr>
+        <p:blipFill>
+          <a:blip r:embed="rId5"/>
+          <a:stretch>
+            <a:fillRect/>
+          </a:stretch>
+        </p:blipFill>
+        <p:spPr>
+          <a:xfrm>
+            <a:off x="6684264" y="4535424"/>
+            <a:ext cx="2139696" cy="530352"/>
+          </a:xfrm>
+          <a:prstGeom prst="rect">
+            <a:avLst/>
+          </a:prstGeom>
+        </p:spPr>
+      </p:pic>
+    </p:spTree>
+  </p:cSld>
+  <p:clrMapOvr>
+    <a:masterClrMapping/>
+  </p:clrMapOvr>
+</p:sld>
+</file>
+
+<file path=ppt/slides/slide2.xml><?xml version="1.0" encoding="utf-8"?>
+<p:sld xmlns:a="http://schemas.openxmlformats.org/drawingml/2006/main" xmlns:p="http://schemas.openxmlformats.org/presentationml/2006/main" xmlns:r="http://schemas.openxmlformats.org/officeDocument/2006/relationships">
+  <p:cSld>
+    <p:spTree>
+      <p:nvGrpSpPr>
+        <p:cNvPr id="1" name=""/>
+        <p:cNvGrpSpPr/>
+        <p:nvPr/>
+      </p:nvGrpSpPr>
+      <p:grpSpPr/>
+      <p:sp>
+        <p:nvSpPr>
+          <p:cNvPr id="3" name="Text Placeholder 2"/>
+          <p:cNvSpPr>
+            <a:spLocks noGrp="1"/>
+          </p:cNvSpPr>
+          <p:nvPr>
+            <p:ph type="body" idx="10" sz="quarter"/>
+          </p:nvPr>
+        </p:nvSpPr>
+        <p:spPr/>
+        <p:txBody>
+          <a:bodyPr/>
+          <a:lstStyle/>
+          <a:p>
+            <a:pPr algn="l"/>
+            <a:r>
+              <a:t>Executive Summary</a:t>
+            </a:r>
+          </a:p>
+        </p:txBody>
+      </p:sp>
+      <p:sp>
+        <p:nvSpPr>
+          <p:cNvPr id="4" name="Text Placeholder 3"/>
+          <p:cNvSpPr>
+            <a:spLocks noGrp="1"/>
+          </p:cNvSpPr>
+          <p:nvPr>
+            <p:ph type="body" idx="14" sz="quarter"/>
+          </p:nvPr>
+        </p:nvSpPr>
+        <p:spPr/>
+        <p:txBody>
+          <a:bodyPr/>
+          <a:lstStyle/>
+          <a:p>
+            <a:pPr/>
+            <a:r>
+              <a:rPr b="1"/>
+              <a:t>Project Duration:</a:t>
+            </a:r>
+            <a:r>
+              <a:t> 12 weeks, on schedule</a:t>
+            </a:r>
+          </a:p>
+          <a:p>
+            <a:pPr/>
+            <a:r>
+              <a:rPr b="1"/>
+              <a:t>Budget:</a:t>
+            </a:r>
+            <a:r>
+              <a:t> $168,500 Year 1 delivered on budget</a:t>
+            </a:r>
+          </a:p>
+          <a:p>
+            <a:pPr/>
+            <a:r>
+              <a:rPr b="1"/>
+              <a:t>Go-Live Date:</a:t>
+            </a:r>
+            <a:r>
+              <a:t> Week 12 as planned</a:t>
+            </a:r>
+          </a:p>
+          <a:p>
+            <a:pPr/>
+            <a:r>
+              <a:rPr b="1"/>
+              <a:t>Quality:</a:t>
+            </a:r>
+            <a:r>
+              <a:t> Zero critical security gaps at launch</a:t>
+            </a:r>
+          </a:p>
+          <a:p>
+            <a:pPr/>
+            <a:r>
+              <a:rPr b="1"/>
+              <a:t>Detection Rate:</a:t>
+            </a:r>
+            <a:r>
+              <a:t> 99% threat detection accuracy</a:t>
+            </a:r>
+          </a:p>
+          <a:p>
+            <a:pPr/>
+            <a:r>
+              <a:rPr b="1"/>
+              <a:t>MTTR Reduction:</a:t>
+            </a:r>
+            <a:r>
+              <a:t> 90% (4 hours to 24 minutes)</a:t>
+            </a:r>
+          </a:p>
+          <a:p>
+            <a:pPr/>
+            <a:r>
+              <a:rPr b="1"/>
+              <a:t>ROI Status:</a:t>
+            </a:r>
+            <a:r>
+              <a:t> On track for 12-month payback</a:t>
+            </a:r>
+          </a:p>
+        </p:txBody>
+      </p:sp>
+      <p:sp>
+        <p:nvSpPr>
+          <p:cNvPr id="5" name="Text Placeholder 4"/>
+          <p:cNvSpPr>
+            <a:spLocks noGrp="1"/>
+          </p:cNvSpPr>
+          <p:nvPr>
+            <p:ph type="body" idx="15" sz="quarter"/>
+          </p:nvPr>
+        </p:nvSpPr>
+        <p:spPr/>
+        <p:txBody>
+          <a:bodyPr/>
+          <a:lstStyle/>
+          <a:p>
+            <a:pPr algn="r">
+              <a:buNone/>
+            </a:pPr>
+            <a:r>
+              <a:rPr sz="1100">
+                <a:solidFill>
+                  <a:srgbClr val="CC0000"/>
+                </a:solidFill>
+              </a:rPr>
+              <a:t>Azure Sentinel SIEM</a:t>
+            </a:r>
+          </a:p>
+        </p:txBody>
+      </p:sp>
+      <p:pic>
+        <p:nvPicPr>
+          <p:cNvPr id="6" name="Picture 5" descr="consulting_company_logo.png"/>
+          <p:cNvPicPr>
+            <a:picLocks noChangeAspect="1"/>
+          </p:cNvPicPr>
+          <p:nvPr/>
+        </p:nvPicPr>
+        <p:blipFill>
+          <a:blip r:embed="rId3"/>
+          <a:stretch>
+            <a:fillRect/>
+          </a:stretch>
+        </p:blipFill>
+        <p:spPr>
+          <a:xfrm>
+            <a:off x="313593" y="4536078"/>
+            <a:ext cx="2143858" cy="529698"/>
+          </a:xfrm>
+          <a:prstGeom prst="rect">
+            <a:avLst/>
+          </a:prstGeom>
+        </p:spPr>
+      </p:pic>
+    </p:spTree>
+  </p:cSld>
+  <p:clrMapOvr>
+    <a:masterClrMapping/>
+  </p:clrMapOvr>
+</p:sld>
+</file>
+
+<file path=ppt/slides/slide3.xml><?xml version="1.0" encoding="utf-8"?>
+<p:sld xmlns:a="http://schemas.openxmlformats.org/drawingml/2006/main" xmlns:p="http://schemas.openxmlformats.org/presentationml/2006/main" xmlns:r="http://schemas.openxmlformats.org/officeDocument/2006/relationships">
+  <p:cSld>
+    <p:spTree>
+      <p:nvGrpSpPr>
+        <p:cNvPr id="1" name=""/>
+        <p:cNvGrpSpPr/>
+        <p:nvPr/>
+      </p:nvGrpSpPr>
+      <p:grpSpPr/>
+      <p:sp>
+        <p:nvSpPr>
+          <p:cNvPr id="3" name="Text Placeholder 2"/>
+          <p:cNvSpPr>
+            <a:spLocks noGrp="1"/>
+          </p:cNvSpPr>
+          <p:nvPr>
+            <p:ph type="body" idx="10" sz="quarter"/>
+          </p:nvPr>
+        </p:nvSpPr>
+        <p:spPr/>
+        <p:txBody>
+          <a:bodyPr/>
+          <a:lstStyle/>
+          <a:p>
+            <a:pPr algn="l"/>
+            <a:r>
+              <a:t>Solution Architecture</a:t>
+            </a:r>
+          </a:p>
+        </p:txBody>
+      </p:sp>
+      <p:sp>
+        <p:nvSpPr>
+          <p:cNvPr id="5" name="Text Placeholder 4"/>
+          <p:cNvSpPr>
+            <a:spLocks noGrp="1"/>
+          </p:cNvSpPr>
+          <p:nvPr>
+            <p:ph type="body" idx="16" sz="quarter"/>
+          </p:nvPr>
+        </p:nvSpPr>
+        <p:spPr/>
+        <p:txBody>
+          <a:bodyPr/>
+          <a:lstStyle/>
+          <a:p>
+            <a:pPr/>
+            <a:r>
+              <a:rPr b="1"/>
+              <a:t>SIEM Platform</a:t>
+            </a:r>
+          </a:p>
+          <a:p>
+            <a:pPr lvl="1"/>
+            <a:r>
+              <a:t>Azure Sentinel workspace deployed</a:t>
+            </a:r>
+          </a:p>
+          <a:p>
+            <a:pPr lvl="1"/>
+            <a:r>
+              <a:t>Log Analytics with 24-month retention</a:t>
+            </a:r>
+          </a:p>
+          <a:p>
+            <a:pPr lvl="1"/>
+            <a:r>
+              <a:t>15+ data connectors active</a:t>
+            </a:r>
+          </a:p>
+          <a:p>
+            <a:pPr/>
+            <a:r>
+              <a:rPr b="1"/>
+              <a:t>Analytics Engine</a:t>
+            </a:r>
+          </a:p>
+          <a:p>
+            <a:pPr lvl="1"/>
+            <a:r>
+              <a:t>50+ KQL detection rules</a:t>
+            </a:r>
+          </a:p>
+          <a:p>
+            <a:pPr lvl="1"/>
+            <a:r>
+              <a:t>UEBA behavioral analytics</a:t>
+            </a:r>
+          </a:p>
+          <a:p>
+            <a:pPr lvl="1"/>
+            <a:r>
+              <a:t>Threat intelligence feeds</a:t>
+            </a:r>
+          </a:p>
+          <a:p>
+            <a:pPr/>
+            <a:r>
+              <a:rPr b="1"/>
+              <a:t>Automation Layer</a:t>
+            </a:r>
+          </a:p>
+          <a:p>
+            <a:pPr lvl="1"/>
+            <a:r>
+              <a:t>12 SOAR playbooks deployed</a:t>
+            </a:r>
+          </a:p>
+          <a:p>
+            <a:pPr lvl="1"/>
+            <a:r>
+              <a:t>Auto-remediation workflows</a:t>
+            </a:r>
+          </a:p>
+          <a:p>
+            <a:pPr lvl="1"/>
+            <a:r>
+              <a:t>Ticketing integration</a:t>
+            </a:r>
+          </a:p>
+        </p:txBody>
+      </p:sp>
+      <p:sp>
+        <p:nvSpPr>
+          <p:cNvPr id="6" name="Text Placeholder 5"/>
+          <p:cNvSpPr>
+            <a:spLocks noGrp="1"/>
+          </p:cNvSpPr>
+          <p:nvPr>
+            <p:ph type="body" idx="17" sz="quarter"/>
+          </p:nvPr>
+        </p:nvSpPr>
+        <p:spPr/>
+        <p:txBody>
+          <a:bodyPr/>
+          <a:lstStyle/>
+          <a:p>
+            <a:pPr algn="r">
+              <a:buNone/>
+            </a:pPr>
+            <a:r>
+              <a:rPr sz="1100">
+                <a:solidFill>
+                  <a:srgbClr val="CC0000"/>
+                </a:solidFill>
+              </a:rPr>
+              <a:t>Azure Sentinel SIEM</a:t>
+            </a:r>
+          </a:p>
+        </p:txBody>
+      </p:sp>
+      <p:pic>
+        <p:nvPicPr>
+          <p:cNvPr id="7" name="Picture 6" descr="architecture-diagram.png"/>
+          <p:cNvPicPr>
+            <a:picLocks noChangeAspect="1"/>
+          </p:cNvPicPr>
+          <p:nvPr/>
+        </p:nvPicPr>
+        <p:blipFill>
+          <a:blip r:embed="rId2"/>
+          <a:stretch>
+            <a:fillRect/>
+          </a:stretch>
+        </p:blipFill>
+        <p:spPr>
+          <a:xfrm>
+            <a:off x="4662488" y="685799"/>
+            <a:ext cx="4337050" cy="3815859"/>
+          </a:xfrm>
+          <a:prstGeom prst="rect">
+            <a:avLst/>
+          </a:prstGeom>
+          <a:ln w="12700">
+            <a:solidFill>
+              <a:srgbClr val="C0C0C0"/>
+            </a:solidFill>
+            <a:prstDash val="solid"/>
+          </a:ln>
+        </p:spPr>
+      </p:pic>
+      <p:pic>
+        <p:nvPicPr>
+          <p:cNvPr id="8" name="Picture 7" descr="consulting_company_logo.png"/>
+          <p:cNvPicPr>
+            <a:picLocks noChangeAspect="1"/>
+          </p:cNvPicPr>
+          <p:nvPr/>
+        </p:nvPicPr>
+        <p:blipFill>
+          <a:blip r:embed="rId4"/>
+          <a:stretch>
+            <a:fillRect/>
+          </a:stretch>
+        </p:blipFill>
+        <p:spPr>
+          <a:xfrm>
+            <a:off x="313592" y="4536078"/>
+            <a:ext cx="2130670" cy="529698"/>
+          </a:xfrm>
+          <a:prstGeom prst="rect">
+            <a:avLst/>
+          </a:prstGeom>
+        </p:spPr>
+      </p:pic>
+    </p:spTree>
+  </p:cSld>
+  <p:clrMapOvr>
+    <a:masterClrMapping/>
+  </p:clrMapOvr>
+</p:sld>
+</file>
+
+<file path=ppt/slides/slide4.xml><?xml version="1.0" encoding="utf-8"?>
+<p:sld xmlns:a="http://schemas.openxmlformats.org/drawingml/2006/main" xmlns:p="http://schemas.openxmlformats.org/presentationml/2006/main" xmlns:r="http://schemas.openxmlformats.org/officeDocument/2006/relationships">
+  <p:cSld>
+    <p:spTree>
+      <p:nvGrpSpPr>
+        <p:cNvPr id="1" name=""/>
+        <p:cNvGrpSpPr/>
+        <p:nvPr/>
+      </p:nvGrpSpPr>
+      <p:grpSpPr/>
+      <p:sp>
+        <p:nvSpPr>
+          <p:cNvPr id="3" name="Text Placeholder 2"/>
+          <p:cNvSpPr>
+            <a:spLocks noGrp="1"/>
+          </p:cNvSpPr>
+          <p:nvPr>
+            <p:ph type="body" idx="10" sz="quarter"/>
+          </p:nvPr>
+        </p:nvSpPr>
+        <p:spPr/>
+        <p:txBody>
+          <a:bodyPr/>
+          <a:lstStyle/>
+          <a:p>
+            <a:pPr algn="l"/>
+            <a:r>
+              <a:t>Deliverables Inventory</a:t>
+            </a:r>
+          </a:p>
+        </p:txBody>
+      </p:sp>
+      <p:graphicFrame>
+        <p:nvGraphicFramePr>
+          <p:cNvPr id="4" name="Table Placeholder 3"/>
+          <p:cNvGraphicFramePr>
+            <a:graphicFrameLocks noGrp="1"/>
+          </p:cNvGraphicFramePr>
+          <p:nvPr>
+            <p:ph type="tbl" idx="14" sz="quarter"/>
+          </p:nvPr>
+        </p:nvGraphicFramePr>
+        <p:xfrm>
+          <a:off x="256855" y="677011"/>
+          <a:ext cx="8710931" cy="3337560"/>
+        </p:xfrm>
+        <a:graphic>
+          <a:graphicData uri="http://schemas.openxmlformats.org/drawingml/2006/table">
+            <a:tbl>
+              <a:tblPr firstRow="1" bandRow="1">
+                <a:tableStyleId>{5C22544A-7EE6-4342-B048-85BDC9FD1C3A}</a:tableStyleId>
+              </a:tblPr>
+              <a:tblGrid>
+                <a:gridCol w="2613279"/>
+                <a:gridCol w="3919919"/>
+                <a:gridCol w="2177733"/>
+              </a:tblGrid>
+              <a:tr h="370840">
+                <a:tc>
+                  <a:txBody>
+                    <a:bodyPr/>
+                    <a:lstStyle/>
+                    <a:p>
+                      <a:r>
+                        <a:rPr sz="1400">
+                          <a:solidFill>
+                            <a:srgbClr val="FFFFFF"/>
+                          </a:solidFill>
+                        </a:rPr>
+                        <a:t>Deliverable</a:t>
+                      </a:r>
+                    </a:p>
+                  </a:txBody>
+                  <a:tcPr>
+                    <a:solidFill>
+                      <a:srgbClr val="A01C02"/>
+                    </a:solidFill>
+                  </a:tcPr>
+                </a:tc>
+                <a:tc>
+                  <a:txBody>
+                    <a:bodyPr/>
+                    <a:lstStyle/>
+                    <a:p>
+                      <a:r>
+                        <a:rPr sz="1400">
+                          <a:solidFill>
+                            <a:srgbClr val="FFFFFF"/>
+                          </a:solidFill>
+                        </a:rPr>
+                        <a:t>Purpose</a:t>
+                      </a:r>
+                    </a:p>
+                  </a:txBody>
+                  <a:tcPr>
+                    <a:solidFill>
+                      <a:srgbClr val="A01C02"/>
+                    </a:solidFill>
+                  </a:tcPr>
+                </a:tc>
+                <a:tc>
+                  <a:txBody>
+                    <a:bodyPr/>
+                    <a:lstStyle/>
+                    <a:p>
+                      <a:r>
+                        <a:rPr sz="1400">
+                          <a:solidFill>
+                            <a:srgbClr val="FFFFFF"/>
+                          </a:solidFill>
+                        </a:rPr>
+                        <a:t>Location</a:t>
+                      </a:r>
+                    </a:p>
+                  </a:txBody>
+                  <a:tcPr>
+                    <a:solidFill>
+                      <a:srgbClr val="A01C02"/>
+                    </a:solidFill>
+                  </a:tcPr>
+                </a:tc>
+              </a:tr>
+              <a:tr h="370840">
+                <a:tc>
+                  <a:txBody>
+                    <a:bodyPr/>
+                    <a:lstStyle/>
+                    <a:p>
+                      <a:r>
+                        <a:rPr b="1" sz="1100"/>
+                        <a:t>Security Architecture Document</a:t>
+                      </a:r>
+                    </a:p>
+                  </a:txBody>
+                  <a:tcPr>
+                    <a:solidFill>
+                      <a:srgbClr val="E7E6E6"/>
+                    </a:solidFill>
+                  </a:tcPr>
+                </a:tc>
+                <a:tc>
+                  <a:txBody>
+                    <a:bodyPr/>
+                    <a:lstStyle/>
+                    <a:p>
+                      <a:r>
+                        <a:rPr sz="1100"/>
+                        <a:t>Sentinel design, data connectors, analytics rules</a:t>
+                      </a:r>
+                    </a:p>
+                  </a:txBody>
+                  <a:tcPr>
+                    <a:solidFill>
+                      <a:srgbClr val="E7E6E6"/>
+                    </a:solidFill>
+                  </a:tcPr>
+                </a:tc>
+                <a:tc>
+                  <a:txBody>
+                    <a:bodyPr/>
+                    <a:lstStyle/>
+                    <a:p>
+                      <a:r>
+                        <a:rPr sz="1100"/>
+                        <a:t>`/delivery/detailed-design.docx`</a:t>
+                      </a:r>
+                    </a:p>
+                  </a:txBody>
+                  <a:tcPr>
+                    <a:solidFill>
+                      <a:srgbClr val="E7E6E6"/>
+                    </a:solidFill>
+                  </a:tcPr>
+                </a:tc>
+              </a:tr>
+              <a:tr h="370840">
+                <a:tc>
+                  <a:txBody>
+                    <a:bodyPr/>
+                    <a:lstStyle/>
+                    <a:p>
+                      <a:r>
+                        <a:rPr b="1" sz="1100"/>
+                        <a:t>Implementation Guide</a:t>
+                      </a:r>
+                    </a:p>
+                  </a:txBody>
+                  <a:tcPr>
+                    <a:solidFill>
+                      <a:srgbClr val="E7E6E6"/>
+                    </a:solidFill>
+                  </a:tcPr>
+                </a:tc>
+                <a:tc>
+                  <a:txBody>
+                    <a:bodyPr/>
+                    <a:lstStyle/>
+                    <a:p>
+                      <a:r>
+                        <a:rPr sz="1100"/>
+                        <a:t>Step-by-step deployment with ARM templates</a:t>
+                      </a:r>
+                    </a:p>
+                  </a:txBody>
+                  <a:tcPr>
+                    <a:solidFill>
+                      <a:srgbClr val="E7E6E6"/>
+                    </a:solidFill>
+                  </a:tcPr>
+                </a:tc>
+                <a:tc>
+                  <a:txBody>
+                    <a:bodyPr/>
+                    <a:lstStyle/>
+                    <a:p>
+                      <a:r>
+                        <a:rPr sz="1100"/>
+                        <a:t>`/delivery/implementation-guide.docx`</a:t>
+                      </a:r>
+                    </a:p>
+                  </a:txBody>
+                  <a:tcPr>
+                    <a:solidFill>
+                      <a:srgbClr val="E7E6E6"/>
+                    </a:solidFill>
+                  </a:tcPr>
+                </a:tc>
+              </a:tr>
+              <a:tr h="370840">
+                <a:tc>
+                  <a:txBody>
+                    <a:bodyPr/>
+                    <a:lstStyle/>
+                    <a:p>
+                      <a:r>
+                        <a:rPr b="1" sz="1100"/>
+                        <a:t>Project Plan</a:t>
+                      </a:r>
+                    </a:p>
+                  </a:txBody>
+                  <a:tcPr>
+                    <a:solidFill>
+                      <a:srgbClr val="E7E6E6"/>
+                    </a:solidFill>
+                  </a:tcPr>
+                </a:tc>
+                <a:tc>
+                  <a:txBody>
+                    <a:bodyPr/>
+                    <a:lstStyle/>
+                    <a:p>
+                      <a:r>
+                        <a:rPr sz="1100"/>
+                        <a:t>Timeline, milestones, RACI, communications</a:t>
+                      </a:r>
+                    </a:p>
+                  </a:txBody>
+                  <a:tcPr>
+                    <a:solidFill>
+                      <a:srgbClr val="E7E6E6"/>
+                    </a:solidFill>
+                  </a:tcPr>
+                </a:tc>
+                <a:tc>
+                  <a:txBody>
+                    <a:bodyPr/>
+                    <a:lstStyle/>
+                    <a:p>
+                      <a:r>
+                        <a:rPr sz="1100"/>
+                        <a:t>`/delivery/project-plan.xlsx`</a:t>
+                      </a:r>
+                    </a:p>
+                  </a:txBody>
+                  <a:tcPr>
+                    <a:solidFill>
+                      <a:srgbClr val="E7E6E6"/>
+                    </a:solidFill>
+                  </a:tcPr>
+                </a:tc>
+              </a:tr>
+              <a:tr h="370840">
+                <a:tc>
+                  <a:txBody>
+                    <a:bodyPr/>
+                    <a:lstStyle/>
+                    <a:p>
+                      <a:r>
+                        <a:rPr b="1" sz="1100"/>
+                        <a:t>Test Plan &amp; Results</a:t>
+                      </a:r>
+                    </a:p>
+                  </a:txBody>
+                  <a:tcPr>
+                    <a:solidFill>
+                      <a:srgbClr val="E7E6E6"/>
+                    </a:solidFill>
+                  </a:tcPr>
+                </a:tc>
+                <a:tc>
+                  <a:txBody>
+                    <a:bodyPr/>
+                    <a:lstStyle/>
+                    <a:p>
+                      <a:r>
+                        <a:rPr sz="1100"/>
+                        <a:t>Detection validation, playbook testing, UAT</a:t>
+                      </a:r>
+                    </a:p>
+                  </a:txBody>
+                  <a:tcPr>
+                    <a:solidFill>
+                      <a:srgbClr val="E7E6E6"/>
+                    </a:solidFill>
+                  </a:tcPr>
+                </a:tc>
+                <a:tc>
+                  <a:txBody>
+                    <a:bodyPr/>
+                    <a:lstStyle/>
+                    <a:p>
+                      <a:r>
+                        <a:rPr sz="1100"/>
+                        <a:t>`/delivery/test-plan.xlsx`</a:t>
+                      </a:r>
+                    </a:p>
+                  </a:txBody>
+                  <a:tcPr>
+                    <a:solidFill>
+                      <a:srgbClr val="E7E6E6"/>
+                    </a:solidFill>
+                  </a:tcPr>
+                </a:tc>
+              </a:tr>
+              <a:tr h="370840">
+                <a:tc>
+                  <a:txBody>
+                    <a:bodyPr/>
+                    <a:lstStyle/>
+                    <a:p>
+                      <a:r>
+                        <a:rPr b="1" sz="1100"/>
+                        <a:t>ARM/Bicep Templates</a:t>
+                      </a:r>
+                    </a:p>
+                  </a:txBody>
+                  <a:tcPr>
+                    <a:solidFill>
+                      <a:srgbClr val="E7E6E6"/>
+                    </a:solidFill>
+                  </a:tcPr>
+                </a:tc>
+                <a:tc>
+                  <a:txBody>
+                    <a:bodyPr/>
+                    <a:lstStyle/>
+                    <a:p>
+                      <a:r>
+                        <a:rPr sz="1100"/>
+                        <a:t>Infrastructure as Code for all components</a:t>
+                      </a:r>
+                    </a:p>
+                  </a:txBody>
+                  <a:tcPr>
+                    <a:solidFill>
+                      <a:srgbClr val="E7E6E6"/>
+                    </a:solidFill>
+                  </a:tcPr>
+                </a:tc>
+                <a:tc>
+                  <a:txBody>
+                    <a:bodyPr/>
+                    <a:lstStyle/>
+                    <a:p>
+                      <a:r>
+                        <a:rPr sz="1100"/>
+                        <a:t>`/delivery/scripts/bicep/`</a:t>
+                      </a:r>
+                    </a:p>
+                  </a:txBody>
+                  <a:tcPr>
+                    <a:solidFill>
+                      <a:srgbClr val="E7E6E6"/>
+                    </a:solidFill>
+                  </a:tcPr>
+                </a:tc>
+              </a:tr>
+              <a:tr h="370840">
+                <a:tc>
+                  <a:txBody>
+                    <a:bodyPr/>
+                    <a:lstStyle/>
+                    <a:p>
+                      <a:r>
+                        <a:rPr b="1" sz="1100"/>
+                        <a:t>Operations Runbook</a:t>
+                      </a:r>
+                    </a:p>
+                  </a:txBody>
+                  <a:tcPr>
+                    <a:solidFill>
+                      <a:srgbClr val="E7E6E6"/>
+                    </a:solidFill>
+                  </a:tcPr>
+                </a:tc>
+                <a:tc>
+                  <a:txBody>
+                    <a:bodyPr/>
+                    <a:lstStyle/>
+                    <a:p>
+                      <a:r>
+                        <a:rPr sz="1100"/>
+                        <a:t>SOC procedures, threat hunting guides</a:t>
+                      </a:r>
+                    </a:p>
+                  </a:txBody>
+                  <a:tcPr>
+                    <a:solidFill>
+                      <a:srgbClr val="E7E6E6"/>
+                    </a:solidFill>
+                  </a:tcPr>
+                </a:tc>
+                <a:tc>
+                  <a:txBody>
+                    <a:bodyPr/>
+                    <a:lstStyle/>
+                    <a:p>
+                      <a:r>
+                        <a:rPr sz="1100"/>
+                        <a:t>`/delivery/docs/operations-runbook.md`</a:t>
+                      </a:r>
+                    </a:p>
+                  </a:txBody>
+                  <a:tcPr>
+                    <a:solidFill>
+                      <a:srgbClr val="E7E6E6"/>
+                    </a:solidFill>
+                  </a:tcPr>
+                </a:tc>
+              </a:tr>
+              <a:tr h="370840">
+                <a:tc>
+                  <a:txBody>
+                    <a:bodyPr/>
+                    <a:lstStyle/>
+                    <a:p>
+                      <a:r>
+                        <a:rPr b="1" sz="1100"/>
+                        <a:t>Training Materials</a:t>
+                      </a:r>
+                    </a:p>
+                  </a:txBody>
+                  <a:tcPr>
+                    <a:solidFill>
+                      <a:srgbClr val="E7E6E6"/>
+                    </a:solidFill>
+                  </a:tcPr>
+                </a:tc>
+                <a:tc>
+                  <a:txBody>
+                    <a:bodyPr/>
+                    <a:lstStyle/>
+                    <a:p>
+                      <a:r>
+                        <a:rPr sz="1100"/>
+                        <a:t>SOC analyst guides, hunting tutorials</a:t>
+                      </a:r>
+                    </a:p>
+                  </a:txBody>
+                  <a:tcPr>
+                    <a:solidFill>
+                      <a:srgbClr val="E7E6E6"/>
+                    </a:solidFill>
+                  </a:tcPr>
+                </a:tc>
+                <a:tc>
+                  <a:txBody>
+                    <a:bodyPr/>
+                    <a:lstStyle/>
+                    <a:p>
+                      <a:r>
+                        <a:rPr sz="1100"/>
+                        <a:t>`/delivery/training/`</a:t>
+                      </a:r>
+                    </a:p>
+                  </a:txBody>
+                  <a:tcPr>
+                    <a:solidFill>
+                      <a:srgbClr val="E7E6E6"/>
+                    </a:solidFill>
+                  </a:tcPr>
+                </a:tc>
+              </a:tr>
+              <a:tr h="370840">
+                <a:tc>
+                  <a:txBody>
+                    <a:bodyPr/>
+                    <a:lstStyle/>
+                    <a:p>
+                      <a:r>
+                        <a:rPr b="1" sz="1100"/>
+                        <a:t>Analytics Rule Catalog</a:t>
+                      </a:r>
+                    </a:p>
+                  </a:txBody>
+                  <a:tcPr>
+                    <a:solidFill>
+                      <a:srgbClr val="E7E6E6"/>
+                    </a:solidFill>
+                  </a:tcPr>
+                </a:tc>
+                <a:tc>
+                  <a:txBody>
+                    <a:bodyPr/>
+                    <a:lstStyle/>
+                    <a:p>
+                      <a:r>
+                        <a:rPr sz="1100"/>
+                        <a:t>All 50+ KQL rules with documentation</a:t>
+                      </a:r>
+                    </a:p>
+                  </a:txBody>
+                  <a:tcPr>
+                    <a:solidFill>
+                      <a:srgbClr val="E7E6E6"/>
+                    </a:solidFill>
+                  </a:tcPr>
+                </a:tc>
+                <a:tc>
+                  <a:txBody>
+                    <a:bodyPr/>
+                    <a:lstStyle/>
+                    <a:p>
+                      <a:r>
+                        <a:rPr sz="1100"/>
+                        <a:t>`/delivery/docs/analytics-rules.md`</a:t>
+                      </a:r>
+                    </a:p>
+                  </a:txBody>
+                  <a:tcPr>
+                    <a:solidFill>
+                      <a:srgbClr val="E7E6E6"/>
+                    </a:solidFill>
+                  </a:tcPr>
+                </a:tc>
+              </a:tr>
+            </a:tbl>
+          </a:graphicData>
+        </a:graphic>
+      </p:graphicFrame>
+      <p:sp>
+        <p:nvSpPr>
+          <p:cNvPr id="5" name="Text Placeholder 4"/>
+          <p:cNvSpPr>
+            <a:spLocks noGrp="1"/>
+          </p:cNvSpPr>
+          <p:nvPr>
+            <p:ph type="body" idx="15" sz="quarter"/>
+          </p:nvPr>
+        </p:nvSpPr>
+        <p:spPr/>
+        <p:txBody>
+          <a:bodyPr/>
+          <a:lstStyle/>
+          <a:p>
+            <a:pPr algn="r">
+              <a:buNone/>
+            </a:pPr>
+            <a:r>
+              <a:rPr sz="1100">
+                <a:solidFill>
+                  <a:srgbClr val="CC0000"/>
+                </a:solidFill>
+              </a:rPr>
+              <a:t>Azure Sentinel SIEM</a:t>
+            </a:r>
+          </a:p>
+        </p:txBody>
+      </p:sp>
+      <p:pic>
+        <p:nvPicPr>
+          <p:cNvPr id="6" name="Picture 5" descr="consulting_company_logo.png"/>
+          <p:cNvPicPr>
+            <a:picLocks noChangeAspect="1"/>
+          </p:cNvPicPr>
+          <p:nvPr/>
+        </p:nvPicPr>
+        <p:blipFill>
+          <a:blip r:embed="rId3"/>
+          <a:stretch>
+            <a:fillRect/>
+          </a:stretch>
+        </p:blipFill>
+        <p:spPr>
+          <a:xfrm>
+            <a:off x="313592" y="4536078"/>
+            <a:ext cx="2126273" cy="529698"/>
+          </a:xfrm>
+          <a:prstGeom prst="rect">
+            <a:avLst/>
+          </a:prstGeom>
+        </p:spPr>
+      </p:pic>
+    </p:spTree>
+  </p:cSld>
+  <p:clrMapOvr>
+    <a:masterClrMapping/>
+  </p:clrMapOvr>
+</p:sld>
+</file>
+
+<file path=ppt/slides/slide5.xml><?xml version="1.0" encoding="utf-8"?>
+<p:sld xmlns:a="http://schemas.openxmlformats.org/drawingml/2006/main" xmlns:p="http://schemas.openxmlformats.org/presentationml/2006/main" xmlns:r="http://schemas.openxmlformats.org/officeDocument/2006/relationships">
+  <p:cSld>
+    <p:spTree>
+      <p:nvGrpSpPr>
+        <p:cNvPr id="1" name=""/>
+        <p:cNvGrpSpPr/>
+        <p:nvPr/>
+      </p:nvGrpSpPr>
+      <p:grpSpPr/>
+      <p:sp>
+        <p:nvSpPr>
+          <p:cNvPr id="3" name="Text Placeholder 2"/>
+          <p:cNvSpPr>
+            <a:spLocks noGrp="1"/>
+          </p:cNvSpPr>
+          <p:nvPr>
+            <p:ph type="body" idx="10" sz="quarter"/>
+          </p:nvPr>
+        </p:nvSpPr>
+        <p:spPr/>
+        <p:txBody>
+          <a:bodyPr/>
+          <a:lstStyle/>
+          <a:p>
+            <a:pPr algn="l"/>
+            <a:r>
+              <a:t>Quality &amp; Performance</a:t>
+            </a:r>
+          </a:p>
+        </p:txBody>
+      </p:sp>
+      <p:sp>
+        <p:nvSpPr>
+          <p:cNvPr id="4" name="Text Placeholder 3"/>
+          <p:cNvSpPr>
+            <a:spLocks noGrp="1"/>
+          </p:cNvSpPr>
+          <p:nvPr>
+            <p:ph type="body" idx="16" sz="quarter"/>
+          </p:nvPr>
+        </p:nvSpPr>
+        <p:spPr/>
+        <p:txBody>
+          <a:bodyPr/>
+          <a:lstStyle/>
+          <a:p>
+            <a:pPr/>
+            <a:r>
+              <a:rPr b="1"/>
+              <a:t>Detection Metrics</a:t>
+            </a:r>
+          </a:p>
+          <a:p>
+            <a:pPr lvl="1"/>
+            <a:r>
+              <a:t>Threat Detection: 99% (target: 95%)</a:t>
+            </a:r>
+          </a:p>
+          <a:p>
+            <a:pPr lvl="1"/>
+            <a:r>
+              <a:t>False Positive Rate: 15% (target: &lt;50%)</a:t>
+            </a:r>
+          </a:p>
+          <a:p>
+            <a:pPr lvl="1"/>
+            <a:r>
+              <a:t>Coverage: 100% of critical assets</a:t>
+            </a:r>
+          </a:p>
+          <a:p>
+            <a:pPr lvl="1"/>
+            <a:r>
+              <a:t>Alert Fidelity: 4.8/5.0 analyst rating</a:t>
+            </a:r>
+          </a:p>
+          <a:p>
+            <a:pPr lvl="1"/>
+            <a:r>
+              <a:t>MITRE ATT&amp;CK: 85% technique coverage</a:t>
+            </a:r>
+          </a:p>
+        </p:txBody>
+      </p:sp>
+      <p:sp>
+        <p:nvSpPr>
+          <p:cNvPr id="5" name="Text Placeholder 4"/>
+          <p:cNvSpPr>
+            <a:spLocks noGrp="1"/>
+          </p:cNvSpPr>
+          <p:nvPr>
+            <p:ph type="body" idx="17" sz="quarter"/>
+          </p:nvPr>
+        </p:nvSpPr>
+        <p:spPr/>
+        <p:txBody>
+          <a:bodyPr/>
+          <a:lstStyle/>
+          <a:p>
+            <a:pPr/>
+            <a:r>
+              <a:rPr b="1"/>
+              <a:t>Operational Metrics</a:t>
+            </a:r>
+          </a:p>
+          <a:p>
+            <a:pPr lvl="1"/>
+            <a:r>
+              <a:t>MTTD: 5 minutes (target: &lt;15 min)</a:t>
+            </a:r>
+          </a:p>
+          <a:p>
+            <a:pPr lvl="1"/>
+            <a:r>
+              <a:t>MTTR: 24 minutes (target: &lt;60 min)</a:t>
+            </a:r>
+          </a:p>
+          <a:p>
+            <a:pPr lvl="1"/>
+            <a:r>
+              <a:t>Auto-Remediation: 80% of incidents</a:t>
+            </a:r>
+          </a:p>
+          <a:p>
+            <a:pPr lvl="1"/>
+            <a:r>
+              <a:t>SOC Capacity: 3x throughput</a:t>
+            </a:r>
+          </a:p>
+          <a:p>
+            <a:pPr lvl="1"/>
+            <a:r>
+              <a:t>Uptime: 99.9% availability</a:t>
+            </a:r>
+          </a:p>
+        </p:txBody>
+      </p:sp>
+      <p:sp>
+        <p:nvSpPr>
+          <p:cNvPr id="6" name="Text Placeholder 5"/>
+          <p:cNvSpPr>
+            <a:spLocks noGrp="1"/>
+          </p:cNvSpPr>
+          <p:nvPr>
+            <p:ph type="body" idx="15" sz="quarter"/>
+          </p:nvPr>
+        </p:nvSpPr>
+        <p:spPr/>
+        <p:txBody>
+          <a:bodyPr/>
+          <a:lstStyle/>
+          <a:p>
+            <a:pPr algn="r">
+              <a:buNone/>
+            </a:pPr>
+            <a:r>
+              <a:rPr sz="1100">
+                <a:solidFill>
+                  <a:srgbClr val="CC0000"/>
+                </a:solidFill>
+              </a:rPr>
+              <a:t>Azure Sentinel SIEM</a:t>
+            </a:r>
+          </a:p>
+        </p:txBody>
+      </p:sp>
+      <p:pic>
+        <p:nvPicPr>
+          <p:cNvPr id="7" name="Picture 6" descr="consulting_company_logo.png"/>
+          <p:cNvPicPr>
+            <a:picLocks noChangeAspect="1"/>
+          </p:cNvPicPr>
+          <p:nvPr/>
+        </p:nvPicPr>
+        <p:blipFill>
+          <a:blip r:embed="rId3"/>
+          <a:stretch>
+            <a:fillRect/>
+          </a:stretch>
+        </p:blipFill>
+        <p:spPr>
+          <a:xfrm>
+            <a:off x="313592" y="4536078"/>
+            <a:ext cx="2121877" cy="529698"/>
+          </a:xfrm>
+          <a:prstGeom prst="rect">
+            <a:avLst/>
+          </a:prstGeom>
+        </p:spPr>
+      </p:pic>
+    </p:spTree>
+  </p:cSld>
+  <p:clrMapOvr>
+    <a:masterClrMapping/>
+  </p:clrMapOvr>
+</p:sld>
+</file>
+
+<file path=ppt/slides/slide6.xml><?xml version="1.0" encoding="utf-8"?>
+<p:sld xmlns:a="http://schemas.openxmlformats.org/drawingml/2006/main" xmlns:p="http://schemas.openxmlformats.org/presentationml/2006/main" xmlns:r="http://schemas.openxmlformats.org/officeDocument/2006/relationships">
+  <p:cSld>
+    <p:spTree>
+      <p:nvGrpSpPr>
+        <p:cNvPr id="1" name=""/>
+        <p:cNvGrpSpPr/>
+        <p:nvPr/>
+      </p:nvGrpSpPr>
+      <p:grpSpPr/>
+      <p:sp>
+        <p:nvSpPr>
+          <p:cNvPr id="3" name="Text Placeholder 2"/>
+          <p:cNvSpPr>
+            <a:spLocks noGrp="1"/>
+          </p:cNvSpPr>
+          <p:nvPr>
+            <p:ph type="body" idx="10" sz="quarter"/>
+          </p:nvPr>
+        </p:nvSpPr>
+        <p:spPr/>
+        <p:txBody>
+          <a:bodyPr/>
+          <a:lstStyle/>
+          <a:p>
+            <a:pPr algn="l"/>
+            <a:r>
+              <a:t>Benefits Realized</a:t>
+            </a:r>
+          </a:p>
+        </p:txBody>
+      </p:sp>
+      <p:graphicFrame>
+        <p:nvGraphicFramePr>
+          <p:cNvPr id="4" name="Table Placeholder 3"/>
+          <p:cNvGraphicFramePr>
+            <a:graphicFrameLocks noGrp="1"/>
+          </p:cNvGraphicFramePr>
+          <p:nvPr>
+            <p:ph type="tbl" idx="14" sz="quarter"/>
+          </p:nvPr>
+        </p:nvGraphicFramePr>
+        <p:xfrm>
+          <a:off x="256855" y="677011"/>
+          <a:ext cx="8710930" cy="2595880"/>
+        </p:xfrm>
+        <a:graphic>
+          <a:graphicData uri="http://schemas.openxmlformats.org/drawingml/2006/table">
+            <a:tbl>
+              <a:tblPr firstRow="1" bandRow="1">
+                <a:tableStyleId>{5C22544A-7EE6-4342-B048-85BDC9FD1C3A}</a:tableStyleId>
+              </a:tblPr>
+              <a:tblGrid>
+                <a:gridCol w="2613279"/>
+                <a:gridCol w="1742186"/>
+                <a:gridCol w="1742186"/>
+                <a:gridCol w="2613279"/>
+              </a:tblGrid>
+              <a:tr h="370840">
+                <a:tc>
+                  <a:txBody>
+                    <a:bodyPr/>
+                    <a:lstStyle/>
+                    <a:p>
+                      <a:r>
+                        <a:rPr sz="1400">
+                          <a:solidFill>
+                            <a:srgbClr val="FFFFFF"/>
+                          </a:solidFill>
+                        </a:rPr>
+                        <a:t>Benefit Category</a:t>
+                      </a:r>
+                    </a:p>
+                  </a:txBody>
+                  <a:tcPr>
+                    <a:solidFill>
+                      <a:srgbClr val="A01C02"/>
+                    </a:solidFill>
+                  </a:tcPr>
+                </a:tc>
+                <a:tc>
+                  <a:txBody>
+                    <a:bodyPr/>
+                    <a:lstStyle/>
+                    <a:p>
+                      <a:r>
+                        <a:rPr sz="1400">
+                          <a:solidFill>
+                            <a:srgbClr val="FFFFFF"/>
+                          </a:solidFill>
+                        </a:rPr>
+                        <a:t>SOW Target</a:t>
+                      </a:r>
+                    </a:p>
+                  </a:txBody>
+                  <a:tcPr>
+                    <a:solidFill>
+                      <a:srgbClr val="A01C02"/>
+                    </a:solidFill>
+                  </a:tcPr>
+                </a:tc>
+                <a:tc>
+                  <a:txBody>
+                    <a:bodyPr/>
+                    <a:lstStyle/>
+                    <a:p>
+                      <a:r>
+                        <a:rPr sz="1400">
+                          <a:solidFill>
+                            <a:srgbClr val="FFFFFF"/>
+                          </a:solidFill>
+                        </a:rPr>
+                        <a:t>Achieved</a:t>
+                      </a:r>
+                    </a:p>
+                  </a:txBody>
+                  <a:tcPr>
+                    <a:solidFill>
+                      <a:srgbClr val="A01C02"/>
+                    </a:solidFill>
+                  </a:tcPr>
+                </a:tc>
+                <a:tc>
+                  <a:txBody>
+                    <a:bodyPr/>
+                    <a:lstStyle/>
+                    <a:p>
+                      <a:r>
+                        <a:rPr sz="1400">
+                          <a:solidFill>
+                            <a:srgbClr val="FFFFFF"/>
+                          </a:solidFill>
+                        </a:rPr>
+                        <a:t>Business Impact</a:t>
+                      </a:r>
+                    </a:p>
+                  </a:txBody>
+                  <a:tcPr>
+                    <a:solidFill>
+                      <a:srgbClr val="A01C02"/>
+                    </a:solidFill>
+                  </a:tcPr>
+                </a:tc>
+              </a:tr>
+              <a:tr h="370840">
+                <a:tc>
+                  <a:txBody>
+                    <a:bodyPr/>
+                    <a:lstStyle/>
+                    <a:p>
+                      <a:r>
+                        <a:rPr b="1" sz="1100"/>
+                        <a:t>MTTR Reduction</a:t>
+                      </a:r>
+                    </a:p>
+                  </a:txBody>
+                  <a:tcPr>
+                    <a:solidFill>
+                      <a:srgbClr val="E7E6E6"/>
+                    </a:solidFill>
+                  </a:tcPr>
+                </a:tc>
+                <a:tc>
+                  <a:txBody>
+                    <a:bodyPr/>
+                    <a:lstStyle/>
+                    <a:p>
+                      <a:r>
+                        <a:rPr sz="1100"/>
+                        <a:t>90% faster</a:t>
+                      </a:r>
+                    </a:p>
+                  </a:txBody>
+                  <a:tcPr>
+                    <a:solidFill>
+                      <a:srgbClr val="E7E6E6"/>
+                    </a:solidFill>
+                  </a:tcPr>
+                </a:tc>
+                <a:tc>
+                  <a:txBody>
+                    <a:bodyPr/>
+                    <a:lstStyle/>
+                    <a:p>
+                      <a:r>
+                        <a:rPr sz="1100"/>
+                        <a:t>90% achieved</a:t>
+                      </a:r>
+                    </a:p>
+                  </a:txBody>
+                  <a:tcPr>
+                    <a:solidFill>
+                      <a:srgbClr val="E7E6E6"/>
+                    </a:solidFill>
+                  </a:tcPr>
+                </a:tc>
+                <a:tc>
+                  <a:txBody>
+                    <a:bodyPr/>
+                    <a:lstStyle/>
+                    <a:p>
+                      <a:r>
+                        <a:rPr sz="1100"/>
+                        <a:t>4 hours to 24 minutes</a:t>
+                      </a:r>
+                    </a:p>
+                  </a:txBody>
+                  <a:tcPr>
+                    <a:solidFill>
+                      <a:srgbClr val="E7E6E6"/>
+                    </a:solidFill>
+                  </a:tcPr>
+                </a:tc>
+              </a:tr>
+              <a:tr h="370840">
+                <a:tc>
+                  <a:txBody>
+                    <a:bodyPr/>
+                    <a:lstStyle/>
+                    <a:p>
+                      <a:r>
+                        <a:rPr b="1" sz="1100"/>
+                        <a:t>Detection Accuracy</a:t>
+                      </a:r>
+                    </a:p>
+                  </a:txBody>
+                  <a:tcPr>
+                    <a:solidFill>
+                      <a:srgbClr val="E7E6E6"/>
+                    </a:solidFill>
+                  </a:tcPr>
+                </a:tc>
+                <a:tc>
+                  <a:txBody>
+                    <a:bodyPr/>
+                    <a:lstStyle/>
+                    <a:p>
+                      <a:r>
+                        <a:rPr sz="1100"/>
+                        <a:t>95%+</a:t>
+                      </a:r>
+                    </a:p>
+                  </a:txBody>
+                  <a:tcPr>
+                    <a:solidFill>
+                      <a:srgbClr val="E7E6E6"/>
+                    </a:solidFill>
+                  </a:tcPr>
+                </a:tc>
+                <a:tc>
+                  <a:txBody>
+                    <a:bodyPr/>
+                    <a:lstStyle/>
+                    <a:p>
+                      <a:r>
+                        <a:rPr sz="1100"/>
+                        <a:t>99%</a:t>
+                      </a:r>
+                    </a:p>
+                  </a:txBody>
+                  <a:tcPr>
+                    <a:solidFill>
+                      <a:srgbClr val="E7E6E6"/>
+                    </a:solidFill>
+                  </a:tcPr>
+                </a:tc>
+                <a:tc>
+                  <a:txBody>
+                    <a:bodyPr/>
+                    <a:lstStyle/>
+                    <a:p>
+                      <a:r>
+                        <a:rPr sz="1100"/>
+                        <a:t>Near-zero missed threats</a:t>
+                      </a:r>
+                    </a:p>
+                  </a:txBody>
+                  <a:tcPr>
+                    <a:solidFill>
+                      <a:srgbClr val="E7E6E6"/>
+                    </a:solidFill>
+                  </a:tcPr>
+                </a:tc>
+              </a:tr>
+              <a:tr h="370840">
+                <a:tc>
+                  <a:txBody>
+                    <a:bodyPr/>
+                    <a:lstStyle/>
+                    <a:p>
+                      <a:r>
+                        <a:rPr b="1" sz="1100"/>
+                        <a:t>False Positives</a:t>
+                      </a:r>
+                    </a:p>
+                  </a:txBody>
+                  <a:tcPr>
+                    <a:solidFill>
+                      <a:srgbClr val="E7E6E6"/>
+                    </a:solidFill>
+                  </a:tcPr>
+                </a:tc>
+                <a:tc>
+                  <a:txBody>
+                    <a:bodyPr/>
+                    <a:lstStyle/>
+                    <a:p>
+                      <a:r>
+                        <a:rPr sz="1100"/>
+                        <a:t>50% reduction</a:t>
+                      </a:r>
+                    </a:p>
+                  </a:txBody>
+                  <a:tcPr>
+                    <a:solidFill>
+                      <a:srgbClr val="E7E6E6"/>
+                    </a:solidFill>
+                  </a:tcPr>
+                </a:tc>
+                <a:tc>
+                  <a:txBody>
+                    <a:bodyPr/>
+                    <a:lstStyle/>
+                    <a:p>
+                      <a:r>
+                        <a:rPr sz="1100"/>
+                        <a:t>85% reduction</a:t>
+                      </a:r>
+                    </a:p>
+                  </a:txBody>
+                  <a:tcPr>
+                    <a:solidFill>
+                      <a:srgbClr val="E7E6E6"/>
+                    </a:solidFill>
+                  </a:tcPr>
+                </a:tc>
+                <a:tc>
+                  <a:txBody>
+                    <a:bodyPr/>
+                    <a:lstStyle/>
+                    <a:p>
+                      <a:r>
+                        <a:rPr sz="1100"/>
+                        <a:t>SOC efficiency doubled</a:t>
+                      </a:r>
+                    </a:p>
+                  </a:txBody>
+                  <a:tcPr>
+                    <a:solidFill>
+                      <a:srgbClr val="E7E6E6"/>
+                    </a:solidFill>
+                  </a:tcPr>
+                </a:tc>
+              </a:tr>
+              <a:tr h="370840">
+                <a:tc>
+                  <a:txBody>
+                    <a:bodyPr/>
+                    <a:lstStyle/>
+                    <a:p>
+                      <a:r>
+                        <a:rPr b="1" sz="1100"/>
+                        <a:t>Cost Savings</a:t>
+                      </a:r>
+                    </a:p>
+                  </a:txBody>
+                  <a:tcPr>
+                    <a:solidFill>
+                      <a:srgbClr val="E7E6E6"/>
+                    </a:solidFill>
+                  </a:tcPr>
+                </a:tc>
+                <a:tc>
+                  <a:txBody>
+                    <a:bodyPr/>
+                    <a:lstStyle/>
+                    <a:p>
+                      <a:r>
+                        <a:rPr sz="1100"/>
+                        <a:t>35% reduction</a:t>
+                      </a:r>
+                    </a:p>
+                  </a:txBody>
+                  <a:tcPr>
+                    <a:solidFill>
+                      <a:srgbClr val="E7E6E6"/>
+                    </a:solidFill>
+                  </a:tcPr>
+                </a:tc>
+                <a:tc>
+                  <a:txBody>
+                    <a:bodyPr/>
+                    <a:lstStyle/>
+                    <a:p>
+                      <a:r>
+                        <a:rPr sz="1100"/>
+                        <a:t>40%</a:t>
+                      </a:r>
+                    </a:p>
+                  </a:txBody>
+                  <a:tcPr>
+                    <a:solidFill>
+                      <a:srgbClr val="E7E6E6"/>
+                    </a:solidFill>
+                  </a:tcPr>
+                </a:tc>
+                <a:tc>
+                  <a:txBody>
+                    <a:bodyPr/>
+                    <a:lstStyle/>
+                    <a:p>
+                      <a:r>
+                        <a:rPr sz="1100"/>
+                        <a:t>$75K annual savings</a:t>
+                      </a:r>
+                    </a:p>
+                  </a:txBody>
+                  <a:tcPr>
+                    <a:solidFill>
+                      <a:srgbClr val="E7E6E6"/>
+                    </a:solidFill>
+                  </a:tcPr>
+                </a:tc>
+              </a:tr>
+              <a:tr h="370840">
+                <a:tc>
+                  <a:txBody>
+                    <a:bodyPr/>
+                    <a:lstStyle/>
+                    <a:p>
+                      <a:r>
+                        <a:rPr b="1" sz="1100"/>
+                        <a:t>Compliance</a:t>
+                      </a:r>
+                    </a:p>
+                  </a:txBody>
+                  <a:tcPr>
+                    <a:solidFill>
+                      <a:srgbClr val="E7E6E6"/>
+                    </a:solidFill>
+                  </a:tcPr>
+                </a:tc>
+                <a:tc>
+                  <a:txBody>
+                    <a:bodyPr/>
+                    <a:lstStyle/>
+                    <a:p>
+                      <a:r>
+                        <a:rPr sz="1100"/>
+                        <a:t>Audit-ready</a:t>
+                      </a:r>
+                    </a:p>
+                  </a:txBody>
+                  <a:tcPr>
+                    <a:solidFill>
+                      <a:srgbClr val="E7E6E6"/>
+                    </a:solidFill>
+                  </a:tcPr>
+                </a:tc>
+                <a:tc>
+                  <a:txBody>
+                    <a:bodyPr/>
+                    <a:lstStyle/>
+                    <a:p>
+                      <a:r>
+                        <a:rPr sz="1100"/>
+                        <a:t>Achieved</a:t>
+                      </a:r>
+                    </a:p>
+                  </a:txBody>
+                  <a:tcPr>
+                    <a:solidFill>
+                      <a:srgbClr val="E7E6E6"/>
+                    </a:solidFill>
+                  </a:tcPr>
+                </a:tc>
+                <a:tc>
+                  <a:txBody>
+                    <a:bodyPr/>
+                    <a:lstStyle/>
+                    <a:p>
+                      <a:r>
+                        <a:rPr sz="1100"/>
+                        <a:t>Automated reporting</a:t>
+                      </a:r>
+                    </a:p>
+                  </a:txBody>
+                  <a:tcPr>
+                    <a:solidFill>
+                      <a:srgbClr val="E7E6E6"/>
+                    </a:solidFill>
+                  </a:tcPr>
+                </a:tc>
+              </a:tr>
+              <a:tr h="370840">
+                <a:tc>
+                  <a:txBody>
+                    <a:bodyPr/>
+                    <a:lstStyle/>
+                    <a:p>
+                      <a:r>
+                        <a:rPr b="1" sz="1100"/>
+                        <a:t>Incident Prevention</a:t>
+                      </a:r>
+                    </a:p>
+                  </a:txBody>
+                  <a:tcPr>
+                    <a:solidFill>
+                      <a:srgbClr val="E7E6E6"/>
+                    </a:solidFill>
+                  </a:tcPr>
+                </a:tc>
+                <a:tc>
+                  <a:txBody>
+                    <a:bodyPr/>
+                    <a:lstStyle/>
+                    <a:p>
+                      <a:r>
+                        <a:rPr sz="1100"/>
+                        <a:t>Measurable</a:t>
+                      </a:r>
+                    </a:p>
+                  </a:txBody>
+                  <a:tcPr>
+                    <a:solidFill>
+                      <a:srgbClr val="E7E6E6"/>
+                    </a:solidFill>
+                  </a:tcPr>
+                </a:tc>
+                <a:tc>
+                  <a:txBody>
+                    <a:bodyPr/>
+                    <a:lstStyle/>
+                    <a:p>
+                      <a:r>
+                        <a:rPr sz="1100"/>
+                        <a:t>$2.3M risk avoided</a:t>
+                      </a:r>
+                    </a:p>
+                  </a:txBody>
+                  <a:tcPr>
+                    <a:solidFill>
+                      <a:srgbClr val="E7E6E6"/>
+                    </a:solidFill>
+                  </a:tcPr>
+                </a:tc>
+                <a:tc>
+                  <a:txBody>
+                    <a:bodyPr/>
+                    <a:lstStyle/>
+                    <a:p>
+                      <a:r>
+                        <a:rPr sz="1100"/>
+                        <a:t>Proactive threat blocking</a:t>
+                      </a:r>
+                    </a:p>
+                  </a:txBody>
+                  <a:tcPr>
+                    <a:solidFill>
+                      <a:srgbClr val="E7E6E6"/>
+                    </a:solidFill>
+                  </a:tcPr>
+                </a:tc>
+              </a:tr>
+            </a:tbl>
+          </a:graphicData>
+        </a:graphic>
+      </p:graphicFrame>
+      <p:sp>
+        <p:nvSpPr>
+          <p:cNvPr id="5" name="Text Placeholder 4"/>
+          <p:cNvSpPr>
+            <a:spLocks noGrp="1"/>
+          </p:cNvSpPr>
+          <p:nvPr>
+            <p:ph type="body" idx="15" sz="quarter"/>
+          </p:nvPr>
+        </p:nvSpPr>
+        <p:spPr/>
+        <p:txBody>
+          <a:bodyPr/>
+          <a:lstStyle/>
+          <a:p>
+            <a:pPr algn="r">
+              <a:buNone/>
+            </a:pPr>
+            <a:r>
+              <a:rPr sz="1100">
+                <a:solidFill>
+                  <a:srgbClr val="CC0000"/>
+                </a:solidFill>
+              </a:rPr>
+              <a:t>Azure Sentinel SIEM</a:t>
+            </a:r>
+          </a:p>
+        </p:txBody>
+      </p:sp>
+      <p:pic>
+        <p:nvPicPr>
+          <p:cNvPr id="6" name="Picture 5" descr="consulting_company_logo.png"/>
+          <p:cNvPicPr>
+            <a:picLocks noChangeAspect="1"/>
+          </p:cNvPicPr>
+          <p:nvPr/>
+        </p:nvPicPr>
+        <p:blipFill>
+          <a:blip r:embed="rId3"/>
+          <a:stretch>
+            <a:fillRect/>
+          </a:stretch>
+        </p:blipFill>
+        <p:spPr>
+          <a:xfrm>
+            <a:off x="313592" y="4536078"/>
+            <a:ext cx="2126273" cy="529698"/>
+          </a:xfrm>
+          <a:prstGeom prst="rect">
+            <a:avLst/>
+          </a:prstGeom>
+        </p:spPr>
+      </p:pic>
+    </p:spTree>
+  </p:cSld>
+  <p:clrMapOvr>
+    <a:masterClrMapping/>
+  </p:clrMapOvr>
+</p:sld>
+</file>
+
+<file path=ppt/slides/slide7.xml><?xml version="1.0" encoding="utf-8"?>
+<p:sld xmlns:a="http://schemas.openxmlformats.org/drawingml/2006/main" xmlns:p="http://schemas.openxmlformats.org/presentationml/2006/main" xmlns:r="http://schemas.openxmlformats.org/officeDocument/2006/relationships">
+  <p:cSld>
+    <p:spTree>
+      <p:nvGrpSpPr>
+        <p:cNvPr id="1" name=""/>
+        <p:cNvGrpSpPr/>
+        <p:nvPr/>
+      </p:nvGrpSpPr>
+      <p:grpSpPr/>
+      <p:sp>
+        <p:nvSpPr>
+          <p:cNvPr id="3" name="Text Placeholder 2"/>
+          <p:cNvSpPr>
+            <a:spLocks noGrp="1"/>
+          </p:cNvSpPr>
+          <p:nvPr>
+            <p:ph type="body" idx="10" sz="quarter"/>
+          </p:nvPr>
+        </p:nvSpPr>
+        <p:spPr/>
+        <p:txBody>
+          <a:bodyPr/>
+          <a:lstStyle/>
+          <a:p>
+            <a:pPr algn="l"/>
+            <a:r>
+              <a:t>Lessons Learned &amp; Recommendations</a:t>
+            </a:r>
+          </a:p>
+        </p:txBody>
+      </p:sp>
+      <p:sp>
+        <p:nvSpPr>
+          <p:cNvPr id="4" name="Text Placeholder 3"/>
+          <p:cNvSpPr>
+            <a:spLocks noGrp="1"/>
+          </p:cNvSpPr>
+          <p:nvPr>
+            <p:ph type="body" idx="16" sz="quarter"/>
+          </p:nvPr>
+        </p:nvSpPr>
+        <p:spPr/>
+        <p:txBody>
+          <a:bodyPr/>
+          <a:lstStyle/>
+          <a:p>
+            <a:pPr/>
+            <a:r>
+              <a:rPr b="1"/>
+              <a:t>What Worked Well</a:t>
+            </a:r>
+          </a:p>
+          <a:p>
+            <a:pPr lvl="1"/>
+            <a:r>
+              <a:t>Phased data connector approach</a:t>
+            </a:r>
+          </a:p>
+          <a:p>
+            <a:pPr lvl="1"/>
+            <a:r>
+              <a:t>Early SOC team involvement</a:t>
+            </a:r>
+          </a:p>
+          <a:p>
+            <a:pPr lvl="1"/>
+            <a:r>
+              <a:t>KQL training before go-live</a:t>
+            </a:r>
+          </a:p>
+          <a:p>
+            <a:pPr lvl="1"/>
+            <a:r>
+              <a:t>Iterative rule tuning process</a:t>
+            </a:r>
+          </a:p>
+          <a:p>
+            <a:pPr lvl="1"/>
+            <a:r>
+              <a:t>Playbook testing framework</a:t>
+            </a:r>
+          </a:p>
+          <a:p>
+            <a:pPr/>
+            <a:r>
+              <a:rPr b="1"/>
+              <a:t>Challenges Overcome</a:t>
+            </a:r>
+          </a:p>
+          <a:p>
+            <a:pPr lvl="1"/>
+            <a:r>
+              <a:t>Legacy log format conversion</a:t>
+            </a:r>
+          </a:p>
+          <a:p>
+            <a:pPr lvl="1"/>
+            <a:r>
+              <a:t>Alert volume management</a:t>
+            </a:r>
+          </a:p>
+          <a:p>
+            <a:pPr lvl="1"/>
+            <a:r>
+              <a:t>Integration timing alignment</a:t>
+            </a:r>
+          </a:p>
+          <a:p>
+            <a:pPr lvl="1"/>
+            <a:r>
+              <a:t>User adoption concerns</a:t>
+            </a:r>
+          </a:p>
+          <a:p>
+            <a:pPr lvl="1"/>
+            <a:r>
+              <a:t>Custom connector development</a:t>
+            </a:r>
+          </a:p>
+        </p:txBody>
+      </p:sp>
+      <p:sp>
+        <p:nvSpPr>
+          <p:cNvPr id="5" name="Text Placeholder 4"/>
+          <p:cNvSpPr>
+            <a:spLocks noGrp="1"/>
+          </p:cNvSpPr>
+          <p:nvPr>
+            <p:ph type="body" idx="17" sz="quarter"/>
+          </p:nvPr>
+        </p:nvSpPr>
+        <p:spPr/>
+        <p:txBody>
+          <a:bodyPr/>
+          <a:lstStyle/>
+          <a:p>
+            <a:pPr/>
+            <a:r>
+              <a:rPr b="1"/>
+              <a:t>Recommendations</a:t>
+            </a:r>
+          </a:p>
+          <a:p>
+            <a:pPr lvl="1"/>
+            <a:r>
+              <a:t>Expand data source coverage</a:t>
+            </a:r>
+          </a:p>
+          <a:p>
+            <a:pPr lvl="1"/>
+            <a:r>
+              <a:t>Implement XDR integration</a:t>
+            </a:r>
+          </a:p>
+          <a:p>
+            <a:pPr lvl="1"/>
+            <a:r>
+              <a:t>Add advanced hunting workbooks</a:t>
+            </a:r>
+          </a:p>
+          <a:p>
+            <a:pPr lvl="1"/>
+            <a:r>
+              <a:t>Monthly rule tuning reviews</a:t>
+            </a:r>
+          </a:p>
+          <a:p>
+            <a:pPr lvl="1"/>
+            <a:r>
+              <a:t>Quarterly red team exercises</a:t>
+            </a:r>
+          </a:p>
+        </p:txBody>
+      </p:sp>
+      <p:sp>
+        <p:nvSpPr>
+          <p:cNvPr id="6" name="Text Placeholder 5"/>
+          <p:cNvSpPr>
+            <a:spLocks noGrp="1"/>
+          </p:cNvSpPr>
+          <p:nvPr>
+            <p:ph type="body" idx="15" sz="quarter"/>
+          </p:nvPr>
+        </p:nvSpPr>
+        <p:spPr/>
+        <p:txBody>
+          <a:bodyPr/>
+          <a:lstStyle/>
+          <a:p>
+            <a:pPr algn="r">
+              <a:buNone/>
+            </a:pPr>
+            <a:r>
+              <a:rPr sz="1100">
+                <a:solidFill>
+                  <a:srgbClr val="CC0000"/>
+                </a:solidFill>
+              </a:rPr>
+              <a:t>Azure Sentinel SIEM</a:t>
+            </a:r>
+          </a:p>
+        </p:txBody>
+      </p:sp>
+      <p:pic>
+        <p:nvPicPr>
+          <p:cNvPr id="7" name="Picture 6" descr="consulting_company_logo.png"/>
+          <p:cNvPicPr>
+            <a:picLocks noChangeAspect="1"/>
+          </p:cNvPicPr>
+          <p:nvPr/>
+        </p:nvPicPr>
+        <p:blipFill>
+          <a:blip r:embed="rId3"/>
+          <a:stretch>
+            <a:fillRect/>
+          </a:stretch>
+        </p:blipFill>
+        <p:spPr>
+          <a:xfrm>
+            <a:off x="313592" y="4536078"/>
+            <a:ext cx="2121877" cy="529698"/>
+          </a:xfrm>
+          <a:prstGeom prst="rect">
+            <a:avLst/>
+          </a:prstGeom>
+        </p:spPr>
+      </p:pic>
+    </p:spTree>
+  </p:cSld>
+  <p:clrMapOvr>
+    <a:masterClrMapping/>
+  </p:clrMapOvr>
+</p:sld>
+</file>
+
+<file path=ppt/slides/slide8.xml><?xml version="1.0" encoding="utf-8"?>
+<p:sld xmlns:a="http://schemas.openxmlformats.org/drawingml/2006/main" xmlns:p="http://schemas.openxmlformats.org/presentationml/2006/main" xmlns:r="http://schemas.openxmlformats.org/officeDocument/2006/relationships">
+  <p:cSld>
+    <p:spTree>
+      <p:nvGrpSpPr>
+        <p:cNvPr id="1" name=""/>
+        <p:cNvGrpSpPr/>
+        <p:nvPr/>
+      </p:nvGrpSpPr>
+      <p:grpSpPr/>
+      <p:sp>
+        <p:nvSpPr>
+          <p:cNvPr id="3" name="Text Placeholder 2"/>
+          <p:cNvSpPr>
+            <a:spLocks noGrp="1"/>
+          </p:cNvSpPr>
+          <p:nvPr>
+            <p:ph type="body" idx="10" sz="quarter"/>
+          </p:nvPr>
+        </p:nvSpPr>
+        <p:spPr/>
+        <p:txBody>
+          <a:bodyPr/>
+          <a:lstStyle/>
+          <a:p>
+            <a:pPr algn="l"/>
+            <a:r>
+              <a:t>Support Transition</a:t>
+            </a:r>
+          </a:p>
+        </p:txBody>
+      </p:sp>
+      <p:sp>
+        <p:nvSpPr>
+          <p:cNvPr id="4" name="Text Placeholder 3"/>
+          <p:cNvSpPr>
+            <a:spLocks noGrp="1"/>
+          </p:cNvSpPr>
+          <p:nvPr>
+            <p:ph type="body" idx="16" sz="quarter"/>
+          </p:nvPr>
+        </p:nvSpPr>
+        <p:spPr/>
+        <p:txBody>
+          <a:bodyPr/>
+          <a:lstStyle/>
+          <a:p>
+            <a:pPr/>
+            <a:r>
+              <a:rPr b="1"/>
+              <a:t>Hypercare Complete (30 days)</a:t>
+            </a:r>
+          </a:p>
+          <a:p>
+            <a:pPr lvl="1"/>
+            <a:r>
+              <a:t>Daily alert review completed</a:t>
+            </a:r>
+          </a:p>
+          <a:p>
+            <a:pPr lvl="1"/>
+            <a:r>
+              <a:t>Rule tuning refinements done</a:t>
+            </a:r>
+          </a:p>
+          <a:p>
+            <a:pPr lvl="1"/>
+            <a:r>
+              <a:t>Playbook optimizations made</a:t>
+            </a:r>
+          </a:p>
+          <a:p>
+            <a:pPr lvl="1"/>
+            <a:r>
+              <a:t>SOC team fully operational</a:t>
+            </a:r>
+          </a:p>
+          <a:p>
+            <a:pPr lvl="1"/>
+            <a:r>
+              <a:t>Runbook procedures validated</a:t>
+            </a:r>
+          </a:p>
+          <a:p>
+            <a:pPr/>
+            <a:r>
+              <a:rPr b="1"/>
+              <a:t>Steady State Operations</a:t>
+            </a:r>
+          </a:p>
+          <a:p>
+            <a:pPr lvl="1"/>
+            <a:r>
+              <a:t>24/7 Sentinel monitoring active</a:t>
+            </a:r>
+          </a:p>
+          <a:p>
+            <a:pPr lvl="1"/>
+            <a:r>
+              <a:t>Weekly rule tuning reviews</a:t>
+            </a:r>
+          </a:p>
+          <a:p>
+            <a:pPr lvl="1"/>
+            <a:r>
+              <a:t>Monthly threat intel updates</a:t>
+            </a:r>
+          </a:p>
+          <a:p>
+            <a:pPr lvl="1"/>
+            <a:r>
+              <a:t>Quarterly hunting exercises</a:t>
+            </a:r>
+          </a:p>
+          <a:p>
+            <a:pPr lvl="1"/>
+            <a:r>
+              <a:t>Annual architecture review</a:t>
+            </a:r>
+          </a:p>
+        </p:txBody>
+      </p:sp>
+      <p:sp>
+        <p:nvSpPr>
+          <p:cNvPr id="5" name="Text Placeholder 4"/>
+          <p:cNvSpPr>
+            <a:spLocks noGrp="1"/>
+          </p:cNvSpPr>
+          <p:nvPr>
+            <p:ph type="body" idx="17" sz="quarter"/>
+          </p:nvPr>
+        </p:nvSpPr>
+        <p:spPr/>
+        <p:txBody>
+          <a:bodyPr/>
+          <a:lstStyle/>
+          <a:p>
+            <a:pPr/>
+            <a:r>
+              <a:rPr b="1"/>
+              <a:t>Escalation Path</a:t>
+            </a:r>
+          </a:p>
+          <a:p>
+            <a:pPr lvl="1"/>
+            <a:r>
+              <a:t>L1: SOC Analyst Team</a:t>
+            </a:r>
+          </a:p>
+          <a:p>
+            <a:pPr lvl="1"/>
+            <a:r>
+              <a:t>L2: Senior Security Analyst</a:t>
+            </a:r>
+          </a:p>
+          <a:p>
+            <a:pPr lvl="1"/>
+            <a:r>
+              <a:t>L3: Microsoft Support (ProDirect)</a:t>
+            </a:r>
+          </a:p>
+          <a:p>
+            <a:pPr lvl="1"/>
+            <a:r>
+              <a:t>Security: CISO escalation</a:t>
+            </a:r>
+          </a:p>
+          <a:p>
+            <a:pPr lvl="1"/>
+            <a:r>
+              <a:t>Executive: Security Program Manager</a:t>
+            </a:r>
+          </a:p>
+        </p:txBody>
+      </p:sp>
+      <p:sp>
+        <p:nvSpPr>
+          <p:cNvPr id="6" name="Text Placeholder 5"/>
+          <p:cNvSpPr>
+            <a:spLocks noGrp="1"/>
+          </p:cNvSpPr>
+          <p:nvPr>
+            <p:ph type="body" idx="15" sz="quarter"/>
+          </p:nvPr>
+        </p:nvSpPr>
+        <p:spPr/>
+        <p:txBody>
+          <a:bodyPr/>
+          <a:lstStyle/>
+          <a:p>
+            <a:pPr algn="r">
+              <a:buNone/>
+            </a:pPr>
+            <a:r>
+              <a:rPr sz="1100">
+                <a:solidFill>
+                  <a:srgbClr val="CC0000"/>
+                </a:solidFill>
+              </a:rPr>
+              <a:t>Azure Sentinel SIEM</a:t>
+            </a:r>
+          </a:p>
+        </p:txBody>
+      </p:sp>
+      <p:pic>
+        <p:nvPicPr>
+          <p:cNvPr id="7" name="Picture 6" descr="consulting_company_logo.png"/>
+          <p:cNvPicPr>
+            <a:picLocks noChangeAspect="1"/>
+          </p:cNvPicPr>
+          <p:nvPr/>
+        </p:nvPicPr>
+        <p:blipFill>
+          <a:blip r:embed="rId3"/>
+          <a:stretch>
+            <a:fillRect/>
+          </a:stretch>
+        </p:blipFill>
+        <p:spPr>
+          <a:xfrm>
+            <a:off x="313592" y="4536078"/>
+            <a:ext cx="2121877" cy="529698"/>
+          </a:xfrm>
+          <a:prstGeom prst="rect">
+            <a:avLst/>
+          </a:prstGeom>
+        </p:spPr>
+      </p:pic>
+    </p:spTree>
+  </p:cSld>
+  <p:clrMapOvr>
+    <a:masterClrMapping/>
+  </p:clrMapOvr>
+</p:sld>
+</file>
+
+<file path=ppt/slides/slide9.xml><?xml version="1.0" encoding="utf-8"?>
+<p:sld xmlns:a="http://schemas.openxmlformats.org/drawingml/2006/main" xmlns:p="http://schemas.openxmlformats.org/presentationml/2006/main" xmlns:r="http://schemas.openxmlformats.org/officeDocument/2006/relationships">
+  <p:cSld>
+    <p:spTree>
+      <p:nvGrpSpPr>
+        <p:cNvPr id="1" name=""/>
+        <p:cNvGrpSpPr/>
+        <p:nvPr/>
+      </p:nvGrpSpPr>
+      <p:grpSpPr/>
+      <p:sp>
+        <p:nvSpPr>
+          <p:cNvPr id="3" name="Text Placeholder 2"/>
+          <p:cNvSpPr>
+            <a:spLocks noGrp="1"/>
+          </p:cNvSpPr>
+          <p:nvPr>
+            <p:ph type="body" idx="10" sz="quarter"/>
+          </p:nvPr>
+        </p:nvSpPr>
+        <p:spPr/>
+        <p:txBody>
+          <a:bodyPr/>
+          <a:lstStyle/>
+          <a:p>
+            <a:pPr algn="l"/>
+            <a:r>
+              <a:t>Acknowledgments &amp; Next Steps</a:t>
+            </a:r>
+          </a:p>
+        </p:txBody>
+      </p:sp>
+      <p:sp>
+        <p:nvSpPr>
+          <p:cNvPr id="4" name="Text Placeholder 3"/>
+          <p:cNvSpPr>
+            <a:spLocks noGrp="1"/>
+          </p:cNvSpPr>
+          <p:nvPr>
+            <p:ph type="body" idx="14" sz="quarter"/>
+          </p:nvPr>
+        </p:nvSpPr>
+        <p:spPr/>
+        <p:txBody>
+          <a:bodyPr/>
+          <a:lstStyle/>
+          <a:p>
+            <a:pPr/>
+            <a:r>
+              <a:rPr b="1"/>
+              <a:t>Client Team:</a:t>
+            </a:r>
+            <a:r>
+              <a:t> CISO, SOC manager, security analysts, IT operations, compliance team</a:t>
+            </a:r>
+          </a:p>
+          <a:p>
+            <a:pPr/>
+            <a:r>
+              <a:rPr b="1"/>
+              <a:t>Vendor Team:</a:t>
+            </a:r>
+            <a:r>
+              <a:t> Project manager, security architect, SIEM engineer, automation specialist</a:t>
+            </a:r>
+          </a:p>
+          <a:p>
+            <a:pPr/>
+            <a:r>
+              <a:rPr b="1"/>
+              <a:t>Special Recognition:</a:t>
+            </a:r>
+            <a:r>
+              <a:t> SOC team for exceptional engagement during tuning phase</a:t>
+            </a:r>
+          </a:p>
+          <a:p>
+            <a:pPr/>
+            <a:r>
+              <a:rPr b="1"/>
+              <a:t>This Week:</a:t>
+            </a:r>
+            <a:r>
+              <a:t> Final documentation handover, archive project artifacts</a:t>
+            </a:r>
+          </a:p>
+          <a:p>
+            <a:pPr/>
+            <a:r>
+              <a:rPr b="1"/>
+              <a:t>Next 30 Days:</a:t>
+            </a:r>
+            <a:r>
+              <a:t> Monthly tuning review, threat hunting workshop</a:t>
+            </a:r>
+          </a:p>
+          <a:p>
+            <a:pPr/>
+            <a:r>
+              <a:rPr b="1"/>
+              <a:t>Next Quarter:</a:t>
+            </a:r>
+            <a:r>
+              <a:t> XDR integration planning, advanced hunting workbooks</a:t>
+            </a:r>
+          </a:p>
+        </p:txBody>
+      </p:sp>
+      <p:sp>
+        <p:nvSpPr>
+          <p:cNvPr id="5" name="Text Placeholder 4"/>
+          <p:cNvSpPr>
+            <a:spLocks noGrp="1"/>
+          </p:cNvSpPr>
+          <p:nvPr>
+            <p:ph type="body" idx="15" sz="quarter"/>
+          </p:nvPr>
+        </p:nvSpPr>
+        <p:spPr/>
+        <p:txBody>
+          <a:bodyPr/>
+          <a:lstStyle/>
+          <a:p>
+            <a:pPr algn="r">
+              <a:buNone/>
+            </a:pPr>
+            <a:r>
+              <a:rPr sz="1100">
+                <a:solidFill>
+                  <a:srgbClr val="CC0000"/>
+                </a:solidFill>
+              </a:rPr>
+              <a:t>Azure Sentinel SIEM</a:t>
+            </a:r>
+          </a:p>
+        </p:txBody>
+      </p:sp>
+      <p:pic>
+        <p:nvPicPr>
+          <p:cNvPr id="6" name="Picture 5" descr="consulting_company_logo.png"/>
+          <p:cNvPicPr>
+            <a:picLocks noChangeAspect="1"/>
+          </p:cNvPicPr>
+          <p:nvPr/>
+        </p:nvPicPr>
+        <p:blipFill>
+          <a:blip r:embed="rId3"/>
+          <a:stretch>
+            <a:fillRect/>
+          </a:stretch>
+        </p:blipFill>
+        <p:spPr>
+          <a:xfrm>
+            <a:off x="313593" y="4536078"/>
+            <a:ext cx="2143858" cy="529698"/>
+          </a:xfrm>
+          <a:prstGeom prst="rect">
+            <a:avLst/>
+          </a:prstGeom>
+        </p:spPr>
+      </p:pic>
     </p:spTree>
   </p:cSld>
   <p:clrMapOvr>
